--- a/API & REST API.pptx
+++ b/API & REST API.pptx
@@ -5,7 +5,7 @@
     <p:sldMasterId id="2147483710" r:id="rId1"/>
   </p:sldMasterIdLst>
   <p:notesMasterIdLst>
-    <p:notesMasterId r:id="rId58"/>
+    <p:notesMasterId r:id="rId60"/>
   </p:notesMasterIdLst>
   <p:sldIdLst>
     <p:sldId id="447" r:id="rId2"/>
@@ -25,45 +25,47 @@
     <p:sldId id="528" r:id="rId16"/>
     <p:sldId id="377" r:id="rId17"/>
     <p:sldId id="376" r:id="rId18"/>
-    <p:sldId id="539" r:id="rId19"/>
-    <p:sldId id="540" r:id="rId20"/>
-    <p:sldId id="542" r:id="rId21"/>
-    <p:sldId id="543" r:id="rId22"/>
-    <p:sldId id="372" r:id="rId23"/>
-    <p:sldId id="379" r:id="rId24"/>
-    <p:sldId id="385" r:id="rId25"/>
-    <p:sldId id="446" r:id="rId26"/>
-    <p:sldId id="532" r:id="rId27"/>
-    <p:sldId id="463" r:id="rId28"/>
-    <p:sldId id="464" r:id="rId29"/>
-    <p:sldId id="465" r:id="rId30"/>
-    <p:sldId id="466" r:id="rId31"/>
-    <p:sldId id="491" r:id="rId32"/>
-    <p:sldId id="494" r:id="rId33"/>
-    <p:sldId id="544" r:id="rId34"/>
-    <p:sldId id="545" r:id="rId35"/>
-    <p:sldId id="546" r:id="rId36"/>
-    <p:sldId id="502" r:id="rId37"/>
-    <p:sldId id="503" r:id="rId38"/>
-    <p:sldId id="504" r:id="rId39"/>
-    <p:sldId id="505" r:id="rId40"/>
-    <p:sldId id="501" r:id="rId41"/>
-    <p:sldId id="533" r:id="rId42"/>
-    <p:sldId id="547" r:id="rId43"/>
-    <p:sldId id="508" r:id="rId44"/>
-    <p:sldId id="509" r:id="rId45"/>
-    <p:sldId id="511" r:id="rId46"/>
-    <p:sldId id="512" r:id="rId47"/>
-    <p:sldId id="513" r:id="rId48"/>
-    <p:sldId id="510" r:id="rId49"/>
-    <p:sldId id="514" r:id="rId50"/>
-    <p:sldId id="515" r:id="rId51"/>
-    <p:sldId id="516" r:id="rId52"/>
-    <p:sldId id="517" r:id="rId53"/>
-    <p:sldId id="336" r:id="rId54"/>
-    <p:sldId id="339" r:id="rId55"/>
-    <p:sldId id="340" r:id="rId56"/>
-    <p:sldId id="526" r:id="rId57"/>
+    <p:sldId id="549" r:id="rId19"/>
+    <p:sldId id="548" r:id="rId20"/>
+    <p:sldId id="539" r:id="rId21"/>
+    <p:sldId id="540" r:id="rId22"/>
+    <p:sldId id="542" r:id="rId23"/>
+    <p:sldId id="543" r:id="rId24"/>
+    <p:sldId id="372" r:id="rId25"/>
+    <p:sldId id="379" r:id="rId26"/>
+    <p:sldId id="385" r:id="rId27"/>
+    <p:sldId id="446" r:id="rId28"/>
+    <p:sldId id="532" r:id="rId29"/>
+    <p:sldId id="463" r:id="rId30"/>
+    <p:sldId id="464" r:id="rId31"/>
+    <p:sldId id="465" r:id="rId32"/>
+    <p:sldId id="466" r:id="rId33"/>
+    <p:sldId id="491" r:id="rId34"/>
+    <p:sldId id="494" r:id="rId35"/>
+    <p:sldId id="544" r:id="rId36"/>
+    <p:sldId id="545" r:id="rId37"/>
+    <p:sldId id="546" r:id="rId38"/>
+    <p:sldId id="502" r:id="rId39"/>
+    <p:sldId id="503" r:id="rId40"/>
+    <p:sldId id="504" r:id="rId41"/>
+    <p:sldId id="505" r:id="rId42"/>
+    <p:sldId id="501" r:id="rId43"/>
+    <p:sldId id="533" r:id="rId44"/>
+    <p:sldId id="547" r:id="rId45"/>
+    <p:sldId id="508" r:id="rId46"/>
+    <p:sldId id="509" r:id="rId47"/>
+    <p:sldId id="511" r:id="rId48"/>
+    <p:sldId id="512" r:id="rId49"/>
+    <p:sldId id="513" r:id="rId50"/>
+    <p:sldId id="510" r:id="rId51"/>
+    <p:sldId id="514" r:id="rId52"/>
+    <p:sldId id="515" r:id="rId53"/>
+    <p:sldId id="516" r:id="rId54"/>
+    <p:sldId id="517" r:id="rId55"/>
+    <p:sldId id="336" r:id="rId56"/>
+    <p:sldId id="339" r:id="rId57"/>
+    <p:sldId id="340" r:id="rId58"/>
+    <p:sldId id="526" r:id="rId59"/>
   </p:sldIdLst>
   <p:sldSz cx="12192000" cy="6858000"/>
   <p:notesSz cx="6858000" cy="9144000"/>
@@ -173,7 +175,7 @@
 <file path=ppt/revisionInfo.xml><?xml version="1.0" encoding="utf-8"?>
 <p1510:revInfo xmlns:a="http://schemas.openxmlformats.org/drawingml/2006/main" xmlns:r="http://schemas.openxmlformats.org/officeDocument/2006/relationships" xmlns:p1510="http://schemas.microsoft.com/office/powerpoint/2015/10/main">
   <p1510:revLst>
-    <p1510:client id="{C28779CA-8045-4CA1-AA54-0246644EA239}" v="10" dt="2025-10-09T19:38:10.816"/>
+    <p1510:client id="{C28779CA-8045-4CA1-AA54-0246644EA239}" v="62" dt="2025-10-10T07:03:40.918"/>
   </p1510:revLst>
 </p1510:revInfo>
 </file>
@@ -181,9 +183,97 @@
 <file path=ppt/changesInfos/changesInfo1.xml><?xml version="1.0" encoding="utf-8"?>
 <pc:chgInfo xmlns:a="http://schemas.openxmlformats.org/drawingml/2006/main" xmlns:r="http://schemas.openxmlformats.org/officeDocument/2006/relationships" xmlns:ac="http://schemas.microsoft.com/office/drawing/2013/main/command" xmlns:pc="http://schemas.microsoft.com/office/powerpoint/2013/main/command">
   <pc:docChgLst>
+    <pc:chgData name="Pramod Naik" userId="ceb6df04-ef15-4d9b-a141-998a03559d75" providerId="ADAL" clId="{D1D4E302-CA95-476B-B320-79C7EBDE6899}"/>
+    <pc:docChg chg="undo custSel addSld delSld modSld">
+      <pc:chgData name="Pramod Naik" userId="ceb6df04-ef15-4d9b-a141-998a03559d75" providerId="ADAL" clId="{D1D4E302-CA95-476B-B320-79C7EBDE6899}" dt="2025-09-04T20:26:20.323" v="8" actId="47"/>
+      <pc:docMkLst>
+        <pc:docMk/>
+      </pc:docMkLst>
+      <pc:sldChg chg="modSp">
+        <pc:chgData name="Pramod Naik" userId="ceb6df04-ef15-4d9b-a141-998a03559d75" providerId="ADAL" clId="{D1D4E302-CA95-476B-B320-79C7EBDE6899}" dt="2025-09-04T20:26:07.698" v="4" actId="1036"/>
+        <pc:sldMkLst>
+          <pc:docMk/>
+          <pc:sldMk cId="3886295808" sldId="538"/>
+        </pc:sldMkLst>
+      </pc:sldChg>
+      <pc:sldChg chg="del">
+        <pc:chgData name="Pramod Naik" userId="ceb6df04-ef15-4d9b-a141-998a03559d75" providerId="ADAL" clId="{D1D4E302-CA95-476B-B320-79C7EBDE6899}" dt="2025-09-04T20:26:19.563" v="7" actId="47"/>
+        <pc:sldMkLst>
+          <pc:docMk/>
+          <pc:sldMk cId="2303070927" sldId="539"/>
+        </pc:sldMkLst>
+      </pc:sldChg>
+      <pc:sldChg chg="add del">
+        <pc:chgData name="Pramod Naik" userId="ceb6df04-ef15-4d9b-a141-998a03559d75" providerId="ADAL" clId="{D1D4E302-CA95-476B-B320-79C7EBDE6899}" dt="2025-09-04T20:26:20.323" v="8" actId="47"/>
+        <pc:sldMkLst>
+          <pc:docMk/>
+          <pc:sldMk cId="2173694948" sldId="540"/>
+        </pc:sldMkLst>
+      </pc:sldChg>
+    </pc:docChg>
+  </pc:docChgLst>
+  <pc:docChgLst>
+    <pc:chgData name="Pramod Naik" userId="ceb6df04-ef15-4d9b-a141-998a03559d75" providerId="ADAL" clId="{2BBA8E63-1F83-4096-B685-F0D4199669C1}"/>
+    <pc:docChg chg="undo custSel addSld delSld modSld sldOrd">
+      <pc:chgData name="Pramod Naik" userId="ceb6df04-ef15-4d9b-a141-998a03559d75" providerId="ADAL" clId="{2BBA8E63-1F83-4096-B685-F0D4199669C1}" dt="2025-06-27T12:11:23.952" v="56" actId="1076"/>
+      <pc:docMkLst>
+        <pc:docMk/>
+      </pc:docMkLst>
+      <pc:sldChg chg="addSp delSp modSp mod">
+        <pc:chgData name="Pramod Naik" userId="ceb6df04-ef15-4d9b-a141-998a03559d75" providerId="ADAL" clId="{2BBA8E63-1F83-4096-B685-F0D4199669C1}" dt="2025-06-27T12:08:58.224" v="15" actId="1076"/>
+        <pc:sldMkLst>
+          <pc:docMk/>
+          <pc:sldMk cId="2805087750" sldId="369"/>
+        </pc:sldMkLst>
+      </pc:sldChg>
+      <pc:sldChg chg="add">
+        <pc:chgData name="Pramod Naik" userId="ceb6df04-ef15-4d9b-a141-998a03559d75" providerId="ADAL" clId="{2BBA8E63-1F83-4096-B685-F0D4199669C1}" dt="2025-06-27T12:07:21.871" v="0"/>
+        <pc:sldMkLst>
+          <pc:docMk/>
+          <pc:sldMk cId="1961164702" sldId="536"/>
+        </pc:sldMkLst>
+      </pc:sldChg>
+      <pc:sldChg chg="addSp delSp modSp add mod setBg">
+        <pc:chgData name="Pramod Naik" userId="ceb6df04-ef15-4d9b-a141-998a03559d75" providerId="ADAL" clId="{2BBA8E63-1F83-4096-B685-F0D4199669C1}" dt="2025-06-27T12:11:23.952" v="56" actId="1076"/>
+        <pc:sldMkLst>
+          <pc:docMk/>
+          <pc:sldMk cId="2190670439" sldId="537"/>
+        </pc:sldMkLst>
+      </pc:sldChg>
+      <pc:sldChg chg="addSp delSp modSp add mod ord">
+        <pc:chgData name="Pramod Naik" userId="ceb6df04-ef15-4d9b-a141-998a03559d75" providerId="ADAL" clId="{2BBA8E63-1F83-4096-B685-F0D4199669C1}" dt="2025-06-27T12:10:16.046" v="40"/>
+        <pc:sldMkLst>
+          <pc:docMk/>
+          <pc:sldMk cId="3886295808" sldId="538"/>
+        </pc:sldMkLst>
+      </pc:sldChg>
+      <pc:sldChg chg="add">
+        <pc:chgData name="Pramod Naik" userId="ceb6df04-ef15-4d9b-a141-998a03559d75" providerId="ADAL" clId="{2BBA8E63-1F83-4096-B685-F0D4199669C1}" dt="2025-06-27T12:10:18.134" v="41"/>
+        <pc:sldMkLst>
+          <pc:docMk/>
+          <pc:sldMk cId="2303070927" sldId="539"/>
+        </pc:sldMkLst>
+      </pc:sldChg>
+      <pc:sldChg chg="add del">
+        <pc:chgData name="Pramod Naik" userId="ceb6df04-ef15-4d9b-a141-998a03559d75" providerId="ADAL" clId="{2BBA8E63-1F83-4096-B685-F0D4199669C1}" dt="2025-06-27T12:09:53.990" v="35"/>
+        <pc:sldMkLst>
+          <pc:docMk/>
+          <pc:sldMk cId="4238638134" sldId="539"/>
+        </pc:sldMkLst>
+      </pc:sldChg>
+      <pc:sldChg chg="add">
+        <pc:chgData name="Pramod Naik" userId="ceb6df04-ef15-4d9b-a141-998a03559d75" providerId="ADAL" clId="{2BBA8E63-1F83-4096-B685-F0D4199669C1}" dt="2025-06-27T12:10:18.332" v="42"/>
+        <pc:sldMkLst>
+          <pc:docMk/>
+          <pc:sldMk cId="2173694948" sldId="540"/>
+        </pc:sldMkLst>
+      </pc:sldChg>
+    </pc:docChg>
+  </pc:docChgLst>
+  <pc:docChgLst>
     <pc:chgData name="Pramod Naik" userId="ceb6df04-ef15-4d9b-a141-998a03559d75" providerId="ADAL" clId="{62E9B5AE-779D-4001-92D3-8FF830A8A9C1}"/>
     <pc:docChg chg="undo custSel addSld delSld modSld">
-      <pc:chgData name="Pramod Naik" userId="ceb6df04-ef15-4d9b-a141-998a03559d75" providerId="ADAL" clId="{62E9B5AE-779D-4001-92D3-8FF830A8A9C1}" dt="2025-10-09T19:56:03.711" v="383" actId="680"/>
+      <pc:chgData name="Pramod Naik" userId="ceb6df04-ef15-4d9b-a141-998a03559d75" providerId="ADAL" clId="{62E9B5AE-779D-4001-92D3-8FF830A8A9C1}" dt="2025-10-10T07:16:09.188" v="474" actId="20577"/>
       <pc:docMkLst>
         <pc:docMk/>
       </pc:docMkLst>
@@ -355,6 +445,51 @@
           <pc:sldMk cId="158852200" sldId="340"/>
         </pc:sldMkLst>
       </pc:sldChg>
+      <pc:sldChg chg="modSp">
+        <pc:chgData name="Pramod Naik" userId="ceb6df04-ef15-4d9b-a141-998a03559d75" providerId="ADAL" clId="{62E9B5AE-779D-4001-92D3-8FF830A8A9C1}" dt="2025-10-10T06:33:22.680" v="394" actId="1076"/>
+        <pc:sldMkLst>
+          <pc:docMk/>
+          <pc:sldMk cId="2805087750" sldId="369"/>
+        </pc:sldMkLst>
+        <pc:picChg chg="mod">
+          <ac:chgData name="Pramod Naik" userId="ceb6df04-ef15-4d9b-a141-998a03559d75" providerId="ADAL" clId="{62E9B5AE-779D-4001-92D3-8FF830A8A9C1}" dt="2025-10-10T06:33:22.680" v="394" actId="1076"/>
+          <ac:picMkLst>
+            <pc:docMk/>
+            <pc:sldMk cId="2805087750" sldId="369"/>
+            <ac:picMk id="1026" creationId="{3DC6FF98-519A-EA03-B2D8-345DB1936EA9}"/>
+          </ac:picMkLst>
+        </pc:picChg>
+      </pc:sldChg>
+      <pc:sldChg chg="modSp mod">
+        <pc:chgData name="Pramod Naik" userId="ceb6df04-ef15-4d9b-a141-998a03559d75" providerId="ADAL" clId="{62E9B5AE-779D-4001-92D3-8FF830A8A9C1}" dt="2025-10-10T06:27:26.436" v="390" actId="113"/>
+        <pc:sldMkLst>
+          <pc:docMk/>
+          <pc:sldMk cId="1455896108" sldId="370"/>
+        </pc:sldMkLst>
+        <pc:spChg chg="mod">
+          <ac:chgData name="Pramod Naik" userId="ceb6df04-ef15-4d9b-a141-998a03559d75" providerId="ADAL" clId="{62E9B5AE-779D-4001-92D3-8FF830A8A9C1}" dt="2025-10-10T06:27:26.436" v="390" actId="113"/>
+          <ac:spMkLst>
+            <pc:docMk/>
+            <pc:sldMk cId="1455896108" sldId="370"/>
+            <ac:spMk id="3" creationId="{B3BD98F6-D9B5-96E2-4A09-5BA64ADB3009}"/>
+          </ac:spMkLst>
+        </pc:spChg>
+      </pc:sldChg>
+      <pc:sldChg chg="modSp">
+        <pc:chgData name="Pramod Naik" userId="ceb6df04-ef15-4d9b-a141-998a03559d75" providerId="ADAL" clId="{62E9B5AE-779D-4001-92D3-8FF830A8A9C1}" dt="2025-10-10T06:28:39.708" v="392" actId="14100"/>
+        <pc:sldMkLst>
+          <pc:docMk/>
+          <pc:sldMk cId="2071058636" sldId="373"/>
+        </pc:sldMkLst>
+        <pc:picChg chg="mod">
+          <ac:chgData name="Pramod Naik" userId="ceb6df04-ef15-4d9b-a141-998a03559d75" providerId="ADAL" clId="{62E9B5AE-779D-4001-92D3-8FF830A8A9C1}" dt="2025-10-10T06:28:39.708" v="392" actId="14100"/>
+          <ac:picMkLst>
+            <pc:docMk/>
+            <pc:sldMk cId="2071058636" sldId="373"/>
+            <ac:picMk id="6146" creationId="{D7988F47-DBC3-1C9F-ED32-21346894FC62}"/>
+          </ac:picMkLst>
+        </pc:picChg>
+      </pc:sldChg>
       <pc:sldChg chg="modSp mod">
         <pc:chgData name="Pramod Naik" userId="ceb6df04-ef15-4d9b-a141-998a03559d75" providerId="ADAL" clId="{62E9B5AE-779D-4001-92D3-8FF830A8A9C1}" dt="2025-10-09T19:24:22.440" v="251" actId="20577"/>
         <pc:sldMkLst>
@@ -369,6 +504,29 @@
             <ac:spMk id="3" creationId="{38499791-89C4-2865-BD40-F87A475DCE31}"/>
           </ac:spMkLst>
         </pc:spChg>
+      </pc:sldChg>
+      <pc:sldChg chg="modSp mod">
+        <pc:chgData name="Pramod Naik" userId="ceb6df04-ef15-4d9b-a141-998a03559d75" providerId="ADAL" clId="{62E9B5AE-779D-4001-92D3-8FF830A8A9C1}" dt="2025-10-10T07:00:18.158" v="450" actId="20577"/>
+        <pc:sldMkLst>
+          <pc:docMk/>
+          <pc:sldMk cId="2368237586" sldId="377"/>
+        </pc:sldMkLst>
+        <pc:spChg chg="mod">
+          <ac:chgData name="Pramod Naik" userId="ceb6df04-ef15-4d9b-a141-998a03559d75" providerId="ADAL" clId="{62E9B5AE-779D-4001-92D3-8FF830A8A9C1}" dt="2025-10-10T07:00:18.158" v="450" actId="20577"/>
+          <ac:spMkLst>
+            <pc:docMk/>
+            <pc:sldMk cId="2368237586" sldId="377"/>
+            <ac:spMk id="3" creationId="{7C23DFE8-E26E-5EF3-AD3C-FAD7D632297A}"/>
+          </ac:spMkLst>
+        </pc:spChg>
+        <pc:picChg chg="mod">
+          <ac:chgData name="Pramod Naik" userId="ceb6df04-ef15-4d9b-a141-998a03559d75" providerId="ADAL" clId="{62E9B5AE-779D-4001-92D3-8FF830A8A9C1}" dt="2025-10-10T06:59:26.887" v="434" actId="1037"/>
+          <ac:picMkLst>
+            <pc:docMk/>
+            <pc:sldMk cId="2368237586" sldId="377"/>
+            <ac:picMk id="9220" creationId="{28443EC0-6FB1-25B4-7636-1226909E1B59}"/>
+          </ac:picMkLst>
+        </pc:picChg>
       </pc:sldChg>
       <pc:sldChg chg="del">
         <pc:chgData name="Pramod Naik" userId="ceb6df04-ef15-4d9b-a141-998a03559d75" providerId="ADAL" clId="{62E9B5AE-779D-4001-92D3-8FF830A8A9C1}" dt="2025-09-20T10:40:10.297" v="184" actId="47"/>
@@ -385,13 +543,13 @@
         </pc:sldMkLst>
       </pc:sldChg>
       <pc:sldChg chg="modSp mod">
-        <pc:chgData name="Pramod Naik" userId="ceb6df04-ef15-4d9b-a141-998a03559d75" providerId="ADAL" clId="{62E9B5AE-779D-4001-92D3-8FF830A8A9C1}" dt="2025-09-20T10:19:25.122" v="17" actId="113"/>
+        <pc:chgData name="Pramod Naik" userId="ceb6df04-ef15-4d9b-a141-998a03559d75" providerId="ADAL" clId="{62E9B5AE-779D-4001-92D3-8FF830A8A9C1}" dt="2025-10-10T05:33:07.464" v="388" actId="6549"/>
         <pc:sldMkLst>
           <pc:docMk/>
           <pc:sldMk cId="3180435471" sldId="447"/>
         </pc:sldMkLst>
         <pc:spChg chg="mod">
-          <ac:chgData name="Pramod Naik" userId="ceb6df04-ef15-4d9b-a141-998a03559d75" providerId="ADAL" clId="{62E9B5AE-779D-4001-92D3-8FF830A8A9C1}" dt="2025-09-20T10:19:25.122" v="17" actId="113"/>
+          <ac:chgData name="Pramod Naik" userId="ceb6df04-ef15-4d9b-a141-998a03559d75" providerId="ADAL" clId="{62E9B5AE-779D-4001-92D3-8FF830A8A9C1}" dt="2025-10-10T05:33:07.464" v="388" actId="6549"/>
           <ac:spMkLst>
             <pc:docMk/>
             <pc:sldMk cId="3180435471" sldId="447"/>
@@ -728,11 +886,19 @@
         </pc:spChg>
       </pc:sldChg>
       <pc:sldChg chg="modSp mod">
-        <pc:chgData name="Pramod Naik" userId="ceb6df04-ef15-4d9b-a141-998a03559d75" providerId="ADAL" clId="{62E9B5AE-779D-4001-92D3-8FF830A8A9C1}" dt="2025-09-20T10:20:46.149" v="27" actId="403"/>
+        <pc:chgData name="Pramod Naik" userId="ceb6df04-ef15-4d9b-a141-998a03559d75" providerId="ADAL" clId="{62E9B5AE-779D-4001-92D3-8FF830A8A9C1}" dt="2025-10-10T06:38:20.372" v="397" actId="20577"/>
         <pc:sldMkLst>
           <pc:docMk/>
           <pc:sldMk cId="315074426" sldId="529"/>
         </pc:sldMkLst>
+        <pc:spChg chg="mod">
+          <ac:chgData name="Pramod Naik" userId="ceb6df04-ef15-4d9b-a141-998a03559d75" providerId="ADAL" clId="{62E9B5AE-779D-4001-92D3-8FF830A8A9C1}" dt="2025-10-10T06:38:20.372" v="397" actId="20577"/>
+          <ac:spMkLst>
+            <pc:docMk/>
+            <pc:sldMk cId="315074426" sldId="529"/>
+            <ac:spMk id="3" creationId="{98C10C8A-6611-0D46-A499-9EEBEDFD8679}"/>
+          </ac:spMkLst>
+        </pc:spChg>
         <pc:graphicFrameChg chg="mod modGraphic">
           <ac:chgData name="Pramod Naik" userId="ceb6df04-ef15-4d9b-a141-998a03559d75" providerId="ADAL" clId="{62E9B5AE-779D-4001-92D3-8FF830A8A9C1}" dt="2025-09-20T10:20:46.149" v="27" actId="403"/>
           <ac:graphicFrameMkLst>
@@ -777,6 +943,37 @@
           <pc:docMk/>
           <pc:sldMk cId="2713829649" sldId="535"/>
         </pc:sldMkLst>
+      </pc:sldChg>
+      <pc:sldChg chg="addSp modSp">
+        <pc:chgData name="Pramod Naik" userId="ceb6df04-ef15-4d9b-a141-998a03559d75" providerId="ADAL" clId="{62E9B5AE-779D-4001-92D3-8FF830A8A9C1}" dt="2025-10-10T06:36:29.380" v="396" actId="164"/>
+        <pc:sldMkLst>
+          <pc:docMk/>
+          <pc:sldMk cId="2190670439" sldId="537"/>
+        </pc:sldMkLst>
+        <pc:grpChg chg="add mod">
+          <ac:chgData name="Pramod Naik" userId="ceb6df04-ef15-4d9b-a141-998a03559d75" providerId="ADAL" clId="{62E9B5AE-779D-4001-92D3-8FF830A8A9C1}" dt="2025-10-10T06:36:29.380" v="396" actId="164"/>
+          <ac:grpSpMkLst>
+            <pc:docMk/>
+            <pc:sldMk cId="2190670439" sldId="537"/>
+            <ac:grpSpMk id="3" creationId="{FB788F9D-D41C-B32F-C36A-8C4D1B60E9CD}"/>
+          </ac:grpSpMkLst>
+        </pc:grpChg>
+        <pc:picChg chg="mod">
+          <ac:chgData name="Pramod Naik" userId="ceb6df04-ef15-4d9b-a141-998a03559d75" providerId="ADAL" clId="{62E9B5AE-779D-4001-92D3-8FF830A8A9C1}" dt="2025-10-10T06:36:29.380" v="396" actId="164"/>
+          <ac:picMkLst>
+            <pc:docMk/>
+            <pc:sldMk cId="2190670439" sldId="537"/>
+            <ac:picMk id="2" creationId="{45208749-F94C-459F-742C-71D3A7A4F3DC}"/>
+          </ac:picMkLst>
+        </pc:picChg>
+        <pc:picChg chg="mod">
+          <ac:chgData name="Pramod Naik" userId="ceb6df04-ef15-4d9b-a141-998a03559d75" providerId="ADAL" clId="{62E9B5AE-779D-4001-92D3-8FF830A8A9C1}" dt="2025-10-10T06:36:29.380" v="396" actId="164"/>
+          <ac:picMkLst>
+            <pc:docMk/>
+            <pc:sldMk cId="2190670439" sldId="537"/>
+            <ac:picMk id="2052" creationId="{C0A71293-21DA-3E21-BBD2-496C3F7080F1}"/>
+          </ac:picMkLst>
+        </pc:picChg>
       </pc:sldChg>
       <pc:sldChg chg="modSp">
         <pc:chgData name="Pramod Naik" userId="ceb6df04-ef15-4d9b-a141-998a03559d75" providerId="ADAL" clId="{62E9B5AE-779D-4001-92D3-8FF830A8A9C1}" dt="2025-09-20T10:19:55.680" v="20" actId="1036"/>
@@ -839,13 +1036,13 @@
         </pc:sldMkLst>
       </pc:sldChg>
       <pc:sldChg chg="addSp delSp modSp new mod">
-        <pc:chgData name="Pramod Naik" userId="ceb6df04-ef15-4d9b-a141-998a03559d75" providerId="ADAL" clId="{62E9B5AE-779D-4001-92D3-8FF830A8A9C1}" dt="2025-10-09T19:26:54.859" v="271" actId="27636"/>
+        <pc:chgData name="Pramod Naik" userId="ceb6df04-ef15-4d9b-a141-998a03559d75" providerId="ADAL" clId="{62E9B5AE-779D-4001-92D3-8FF830A8A9C1}" dt="2025-10-10T07:16:09.188" v="474" actId="20577"/>
         <pc:sldMkLst>
           <pc:docMk/>
           <pc:sldMk cId="2854140960" sldId="542"/>
         </pc:sldMkLst>
         <pc:spChg chg="add mod">
-          <ac:chgData name="Pramod Naik" userId="ceb6df04-ef15-4d9b-a141-998a03559d75" providerId="ADAL" clId="{62E9B5AE-779D-4001-92D3-8FF830A8A9C1}" dt="2025-10-09T19:26:54.859" v="271" actId="27636"/>
+          <ac:chgData name="Pramod Naik" userId="ceb6df04-ef15-4d9b-a141-998a03559d75" providerId="ADAL" clId="{62E9B5AE-779D-4001-92D3-8FF830A8A9C1}" dt="2025-10-10T07:16:09.188" v="474" actId="20577"/>
           <ac:spMkLst>
             <pc:docMk/>
             <pc:sldMk cId="2854140960" sldId="542"/>
@@ -936,93 +1133,52 @@
           <pc:sldMk cId="2914679485" sldId="547"/>
         </pc:sldMkLst>
       </pc:sldChg>
-    </pc:docChg>
-  </pc:docChgLst>
-  <pc:docChgLst>
-    <pc:chgData name="Pramod Naik" userId="ceb6df04-ef15-4d9b-a141-998a03559d75" providerId="ADAL" clId="{2BBA8E63-1F83-4096-B685-F0D4199669C1}"/>
-    <pc:docChg chg="undo custSel addSld delSld modSld sldOrd">
-      <pc:chgData name="Pramod Naik" userId="ceb6df04-ef15-4d9b-a141-998a03559d75" providerId="ADAL" clId="{2BBA8E63-1F83-4096-B685-F0D4199669C1}" dt="2025-06-27T12:11:23.952" v="56" actId="1076"/>
-      <pc:docMkLst>
-        <pc:docMk/>
-      </pc:docMkLst>
-      <pc:sldChg chg="addSp delSp modSp mod">
-        <pc:chgData name="Pramod Naik" userId="ceb6df04-ef15-4d9b-a141-998a03559d75" providerId="ADAL" clId="{2BBA8E63-1F83-4096-B685-F0D4199669C1}" dt="2025-06-27T12:08:58.224" v="15" actId="1076"/>
+      <pc:sldChg chg="addSp delSp modSp new mod">
+        <pc:chgData name="Pramod Naik" userId="ceb6df04-ef15-4d9b-a141-998a03559d75" providerId="ADAL" clId="{62E9B5AE-779D-4001-92D3-8FF830A8A9C1}" dt="2025-10-10T07:03:40.917" v="468"/>
         <pc:sldMkLst>
           <pc:docMk/>
-          <pc:sldMk cId="2805087750" sldId="369"/>
+          <pc:sldMk cId="1110909040" sldId="548"/>
         </pc:sldMkLst>
-      </pc:sldChg>
-      <pc:sldChg chg="add">
-        <pc:chgData name="Pramod Naik" userId="ceb6df04-ef15-4d9b-a141-998a03559d75" providerId="ADAL" clId="{2BBA8E63-1F83-4096-B685-F0D4199669C1}" dt="2025-06-27T12:07:21.871" v="0"/>
-        <pc:sldMkLst>
-          <pc:docMk/>
-          <pc:sldMk cId="1961164702" sldId="536"/>
-        </pc:sldMkLst>
-      </pc:sldChg>
-      <pc:sldChg chg="addSp delSp modSp add mod setBg">
-        <pc:chgData name="Pramod Naik" userId="ceb6df04-ef15-4d9b-a141-998a03559d75" providerId="ADAL" clId="{2BBA8E63-1F83-4096-B685-F0D4199669C1}" dt="2025-06-27T12:11:23.952" v="56" actId="1076"/>
-        <pc:sldMkLst>
-          <pc:docMk/>
-          <pc:sldMk cId="2190670439" sldId="537"/>
-        </pc:sldMkLst>
-      </pc:sldChg>
-      <pc:sldChg chg="addSp delSp modSp add mod ord">
-        <pc:chgData name="Pramod Naik" userId="ceb6df04-ef15-4d9b-a141-998a03559d75" providerId="ADAL" clId="{2BBA8E63-1F83-4096-B685-F0D4199669C1}" dt="2025-06-27T12:10:16.046" v="40"/>
-        <pc:sldMkLst>
-          <pc:docMk/>
-          <pc:sldMk cId="3886295808" sldId="538"/>
-        </pc:sldMkLst>
-      </pc:sldChg>
-      <pc:sldChg chg="add">
-        <pc:chgData name="Pramod Naik" userId="ceb6df04-ef15-4d9b-a141-998a03559d75" providerId="ADAL" clId="{2BBA8E63-1F83-4096-B685-F0D4199669C1}" dt="2025-06-27T12:10:18.134" v="41"/>
-        <pc:sldMkLst>
-          <pc:docMk/>
-          <pc:sldMk cId="2303070927" sldId="539"/>
-        </pc:sldMkLst>
-      </pc:sldChg>
-      <pc:sldChg chg="add del">
-        <pc:chgData name="Pramod Naik" userId="ceb6df04-ef15-4d9b-a141-998a03559d75" providerId="ADAL" clId="{2BBA8E63-1F83-4096-B685-F0D4199669C1}" dt="2025-06-27T12:09:53.990" v="35"/>
-        <pc:sldMkLst>
-          <pc:docMk/>
-          <pc:sldMk cId="4238638134" sldId="539"/>
-        </pc:sldMkLst>
-      </pc:sldChg>
-      <pc:sldChg chg="add">
-        <pc:chgData name="Pramod Naik" userId="ceb6df04-ef15-4d9b-a141-998a03559d75" providerId="ADAL" clId="{2BBA8E63-1F83-4096-B685-F0D4199669C1}" dt="2025-06-27T12:10:18.332" v="42"/>
-        <pc:sldMkLst>
-          <pc:docMk/>
-          <pc:sldMk cId="2173694948" sldId="540"/>
-        </pc:sldMkLst>
-      </pc:sldChg>
-    </pc:docChg>
-  </pc:docChgLst>
-  <pc:docChgLst>
-    <pc:chgData name="Pramod Naik" userId="ceb6df04-ef15-4d9b-a141-998a03559d75" providerId="ADAL" clId="{D1D4E302-CA95-476B-B320-79C7EBDE6899}"/>
-    <pc:docChg chg="undo custSel addSld delSld modSld">
-      <pc:chgData name="Pramod Naik" userId="ceb6df04-ef15-4d9b-a141-998a03559d75" providerId="ADAL" clId="{D1D4E302-CA95-476B-B320-79C7EBDE6899}" dt="2025-09-04T20:26:20.323" v="8" actId="47"/>
-      <pc:docMkLst>
-        <pc:docMk/>
-      </pc:docMkLst>
-      <pc:sldChg chg="modSp">
-        <pc:chgData name="Pramod Naik" userId="ceb6df04-ef15-4d9b-a141-998a03559d75" providerId="ADAL" clId="{D1D4E302-CA95-476B-B320-79C7EBDE6899}" dt="2025-09-04T20:26:07.698" v="4" actId="1036"/>
-        <pc:sldMkLst>
-          <pc:docMk/>
-          <pc:sldMk cId="3886295808" sldId="538"/>
-        </pc:sldMkLst>
-      </pc:sldChg>
-      <pc:sldChg chg="del">
-        <pc:chgData name="Pramod Naik" userId="ceb6df04-ef15-4d9b-a141-998a03559d75" providerId="ADAL" clId="{D1D4E302-CA95-476B-B320-79C7EBDE6899}" dt="2025-09-04T20:26:19.563" v="7" actId="47"/>
-        <pc:sldMkLst>
-          <pc:docMk/>
-          <pc:sldMk cId="2303070927" sldId="539"/>
-        </pc:sldMkLst>
-      </pc:sldChg>
-      <pc:sldChg chg="add del">
-        <pc:chgData name="Pramod Naik" userId="ceb6df04-ef15-4d9b-a141-998a03559d75" providerId="ADAL" clId="{D1D4E302-CA95-476B-B320-79C7EBDE6899}" dt="2025-09-04T20:26:20.323" v="8" actId="47"/>
-        <pc:sldMkLst>
-          <pc:docMk/>
-          <pc:sldMk cId="2173694948" sldId="540"/>
-        </pc:sldMkLst>
+        <pc:spChg chg="del">
+          <ac:chgData name="Pramod Naik" userId="ceb6df04-ef15-4d9b-a141-998a03559d75" providerId="ADAL" clId="{62E9B5AE-779D-4001-92D3-8FF830A8A9C1}" dt="2025-10-10T07:02:07.216" v="452" actId="478"/>
+          <ac:spMkLst>
+            <pc:docMk/>
+            <pc:sldMk cId="1110909040" sldId="548"/>
+            <ac:spMk id="2" creationId="{FB621F07-21AE-9840-AFF4-80336735EEC4}"/>
+          </ac:spMkLst>
+        </pc:spChg>
+        <pc:spChg chg="add del mod">
+          <ac:chgData name="Pramod Naik" userId="ceb6df04-ef15-4d9b-a141-998a03559d75" providerId="ADAL" clId="{62E9B5AE-779D-4001-92D3-8FF830A8A9C1}" dt="2025-10-10T07:02:31.668" v="461" actId="478"/>
+          <ac:spMkLst>
+            <pc:docMk/>
+            <pc:sldMk cId="1110909040" sldId="548"/>
+            <ac:spMk id="3" creationId="{2AA7382E-8119-A790-A331-D823F45FE620}"/>
+          </ac:spMkLst>
+        </pc:spChg>
+        <pc:picChg chg="add mod">
+          <ac:chgData name="Pramod Naik" userId="ceb6df04-ef15-4d9b-a141-998a03559d75" providerId="ADAL" clId="{62E9B5AE-779D-4001-92D3-8FF830A8A9C1}" dt="2025-10-10T07:02:29.148" v="460"/>
+          <ac:picMkLst>
+            <pc:docMk/>
+            <pc:sldMk cId="1110909040" sldId="548"/>
+            <ac:picMk id="1026" creationId="{17808662-891D-EF98-15EC-9B06B9AE00EB}"/>
+          </ac:picMkLst>
+        </pc:picChg>
+        <pc:picChg chg="add del mod">
+          <ac:chgData name="Pramod Naik" userId="ceb6df04-ef15-4d9b-a141-998a03559d75" providerId="ADAL" clId="{62E9B5AE-779D-4001-92D3-8FF830A8A9C1}" dt="2025-10-10T07:03:38.120" v="467" actId="478"/>
+          <ac:picMkLst>
+            <pc:docMk/>
+            <pc:sldMk cId="1110909040" sldId="548"/>
+            <ac:picMk id="1028" creationId="{BC52F715-64B7-547C-7457-53257E4181EF}"/>
+          </ac:picMkLst>
+        </pc:picChg>
+        <pc:picChg chg="add">
+          <ac:chgData name="Pramod Naik" userId="ceb6df04-ef15-4d9b-a141-998a03559d75" providerId="ADAL" clId="{62E9B5AE-779D-4001-92D3-8FF830A8A9C1}" dt="2025-10-10T07:03:40.917" v="468"/>
+          <ac:picMkLst>
+            <pc:docMk/>
+            <pc:sldMk cId="1110909040" sldId="548"/>
+            <ac:picMk id="1030" creationId="{243886C6-4738-5198-8FA3-91D62FB558F6}"/>
+          </ac:picMkLst>
+        </pc:picChg>
       </pc:sldChg>
     </pc:docChg>
   </pc:docChgLst>
@@ -6216,19 +6372,7 @@
             </a:r>
             <a:r>
               <a:rPr lang="en-US" sz="3200" b="1" dirty="0"/>
-              <a:t>Python</a:t>
-            </a:r>
-            <a:r>
-              <a:rPr lang="en-US" sz="3200" dirty="0"/>
-              <a:t> </a:t>
-            </a:r>
-            <a:r>
-              <a:rPr lang="en-US" sz="3200" b="1" dirty="0" err="1"/>
-              <a:t>FastAPI</a:t>
-            </a:r>
-            <a:r>
-              <a:rPr lang="en-US" sz="3200" b="1" dirty="0"/>
-              <a:t> </a:t>
+              <a:t>API </a:t>
             </a:r>
             <a:r>
               <a:rPr lang="en-US" sz="3200" dirty="0"/>
@@ -6976,7 +7120,7 @@
             </a:r>
             <a:r>
               <a:rPr lang="en-US" sz="2400" dirty="0"/>
-              <a:t>(Application Programming Interface) which adds set of </a:t>
+              <a:t>which adds set of </a:t>
             </a:r>
             <a:r>
               <a:rPr lang="en-US" sz="2400" b="1" dirty="0">
@@ -7273,12 +7417,12 @@
                         <a:buNone/>
                       </a:pPr>
                       <a:r>
-                        <a:rPr lang="en-IN" sz="2400" kern="100">
+                        <a:rPr lang="en-IN" sz="2400" kern="100" dirty="0">
                           <a:effectLst/>
                         </a:rPr>
                         <a:t>Their own schedule, pay slips</a:t>
                       </a:r>
-                      <a:endParaRPr lang="en-IN" sz="2400" kern="100">
+                      <a:endParaRPr lang="en-IN" sz="2400" kern="100" dirty="0">
                         <a:effectLst/>
                         <a:latin typeface="Aptos" panose="020B0004020202020204" pitchFamily="34" charset="0"/>
                         <a:ea typeface="Aptos" panose="020B0004020202020204" pitchFamily="34" charset="0"/>
@@ -8388,12 +8532,12 @@
         <p:spPr>
           <a:xfrm>
             <a:off x="470253" y="1499458"/>
-            <a:ext cx="6312053" cy="3859084"/>
+            <a:ext cx="7106708" cy="3859084"/>
           </a:xfrm>
         </p:spPr>
         <p:txBody>
           <a:bodyPr anchor="t">
-            <a:normAutofit/>
+            <a:normAutofit lnSpcReduction="10000"/>
           </a:bodyPr>
           <a:lstStyle/>
           <a:p>
@@ -8410,21 +8554,21 @@
           </a:p>
           <a:p>
             <a:r>
-              <a:rPr lang="en-US" sz="2400" b="1" dirty="0">
+              <a:rPr lang="en-US" sz="2800" b="1" dirty="0">
                 <a:effectLst/>
                 <a:latin typeface="Calibri" panose="020F0502020204030204" pitchFamily="34" charset="0"/>
               </a:rPr>
               <a:t>REST (Representational State Transfer) </a:t>
             </a:r>
             <a:r>
-              <a:rPr lang="en-US" sz="2400" dirty="0">
+              <a:rPr lang="en-US" sz="2800" dirty="0">
                 <a:effectLst/>
                 <a:latin typeface="Calibri" panose="020F0502020204030204" pitchFamily="34" charset="0"/>
               </a:rPr>
               <a:t>is a </a:t>
             </a:r>
             <a:r>
-              <a:rPr lang="en-US" sz="2400" b="1" dirty="0">
+              <a:rPr lang="en-US" sz="2800" b="1" dirty="0">
                 <a:solidFill>
                   <a:srgbClr val="C00000"/>
                 </a:solidFill>
@@ -8434,14 +8578,14 @@
               <a:t>web service </a:t>
             </a:r>
             <a:r>
-              <a:rPr lang="en-US" sz="2400" dirty="0">
+              <a:rPr lang="en-US" sz="2800" dirty="0">
                 <a:effectLst/>
                 <a:latin typeface="Calibri" panose="020F0502020204030204" pitchFamily="34" charset="0"/>
               </a:rPr>
               <a:t>that follows </a:t>
             </a:r>
             <a:r>
-              <a:rPr lang="en-US" sz="2400" b="1" dirty="0">
+              <a:rPr lang="en-US" sz="2800" b="1" dirty="0">
                 <a:solidFill>
                   <a:srgbClr val="0070C0"/>
                 </a:solidFill>
@@ -8451,7 +8595,7 @@
               <a:t>REST</a:t>
             </a:r>
             <a:r>
-              <a:rPr lang="en-US" sz="2400" dirty="0">
+              <a:rPr lang="en-US" sz="2800" dirty="0">
                 <a:solidFill>
                   <a:srgbClr val="0070C0"/>
                 </a:solidFill>
@@ -8461,7 +8605,7 @@
               <a:t> </a:t>
             </a:r>
             <a:r>
-              <a:rPr lang="en-US" sz="2400" b="1" dirty="0">
+              <a:rPr lang="en-US" sz="2800" b="1" dirty="0">
                 <a:solidFill>
                   <a:srgbClr val="0070C0"/>
                 </a:solidFill>
@@ -8471,7 +8615,7 @@
               <a:t>principles</a:t>
             </a:r>
             <a:r>
-              <a:rPr lang="en-US" sz="2400" dirty="0">
+              <a:rPr lang="en-US" sz="2800" dirty="0">
                 <a:solidFill>
                   <a:srgbClr val="0070C0"/>
                 </a:solidFill>
@@ -8481,21 +8625,21 @@
               <a:t> </a:t>
             </a:r>
             <a:r>
-              <a:rPr lang="en-US" sz="2400" dirty="0">
+              <a:rPr lang="en-US" sz="2800" dirty="0">
                 <a:effectLst/>
                 <a:latin typeface="Calibri" panose="020F0502020204030204" pitchFamily="34" charset="0"/>
               </a:rPr>
               <a:t>to enable </a:t>
             </a:r>
             <a:r>
-              <a:rPr lang="en-US" sz="2400" b="1" dirty="0">
+              <a:rPr lang="en-US" sz="2800" b="1" dirty="0">
                 <a:effectLst/>
                 <a:latin typeface="Calibri" panose="020F0502020204030204" pitchFamily="34" charset="0"/>
               </a:rPr>
               <a:t>communication between </a:t>
             </a:r>
             <a:r>
-              <a:rPr lang="en-US" sz="2400" b="1" dirty="0">
+              <a:rPr lang="en-US" sz="2800" b="1" dirty="0">
                 <a:solidFill>
                   <a:srgbClr val="C00000"/>
                 </a:solidFill>
@@ -8505,23 +8649,43 @@
               <a:t>client</a:t>
             </a:r>
             <a:r>
-              <a:rPr lang="en-US" sz="2400" dirty="0">
+              <a:rPr lang="en-US" sz="2800" dirty="0">
                 <a:effectLst/>
                 <a:latin typeface="Calibri" panose="020F0502020204030204" pitchFamily="34" charset="0"/>
               </a:rPr>
               <a:t> and </a:t>
             </a:r>
             <a:r>
-              <a:rPr lang="en-US" sz="2400" b="1" dirty="0">
+              <a:rPr lang="en-US" sz="2800" b="1" dirty="0">
                 <a:solidFill>
                   <a:srgbClr val="C00000"/>
                 </a:solidFill>
                 <a:effectLst/>
                 <a:latin typeface="Calibri" panose="020F0502020204030204" pitchFamily="34" charset="0"/>
               </a:rPr>
-              <a:t>server</a:t>
-            </a:r>
-            <a:endParaRPr lang="en-US" sz="2400" b="1" dirty="0">
+              <a:t>server </a:t>
+            </a:r>
+            <a:r>
+              <a:rPr lang="en-US" sz="2800" b="1" dirty="0">
+                <a:solidFill>
+                  <a:schemeClr val="tx1"/>
+                </a:solidFill>
+                <a:effectLst/>
+                <a:latin typeface="Calibri" panose="020F0502020204030204" pitchFamily="34" charset="0"/>
+              </a:rPr>
+              <a:t>or</a:t>
+            </a:r>
+            <a:r>
+              <a:rPr lang="en-US" sz="2800" b="1" dirty="0">
+                <a:solidFill>
+                  <a:srgbClr val="C00000"/>
+                </a:solidFill>
+                <a:effectLst/>
+                <a:latin typeface="Calibri" panose="020F0502020204030204" pitchFamily="34" charset="0"/>
+              </a:rPr>
+              <a:t> 2 systems.</a:t>
+            </a:r>
+            <a:endParaRPr lang="en-US" sz="2800" b="1" dirty="0">
               <a:solidFill>
                 <a:srgbClr val="C00000"/>
               </a:solidFill>
@@ -8530,14 +8694,14 @@
           </a:p>
           <a:p>
             <a:r>
-              <a:rPr lang="en-US" sz="2400" dirty="0">
+              <a:rPr lang="en-US" sz="2800" dirty="0">
                 <a:effectLst/>
                 <a:latin typeface="Calibri" panose="020F0502020204030204" pitchFamily="34" charset="0"/>
               </a:rPr>
               <a:t>REST is an </a:t>
             </a:r>
             <a:r>
-              <a:rPr lang="en-US" sz="2400" b="1" dirty="0">
+              <a:rPr lang="en-US" sz="2800" b="1" dirty="0">
                 <a:solidFill>
                   <a:srgbClr val="C00000"/>
                 </a:solidFill>
@@ -8547,28 +8711,28 @@
               <a:t>architectural style </a:t>
             </a:r>
             <a:r>
-              <a:rPr lang="en-US" sz="2400" dirty="0">
+              <a:rPr lang="en-US" sz="2800" dirty="0">
                 <a:effectLst/>
                 <a:latin typeface="Calibri" panose="020F0502020204030204" pitchFamily="34" charset="0"/>
               </a:rPr>
               <a:t>for </a:t>
             </a:r>
             <a:r>
-              <a:rPr lang="en-US" sz="2400" b="1" dirty="0">
+              <a:rPr lang="en-US" sz="2800" b="1" dirty="0">
                 <a:effectLst/>
                 <a:latin typeface="Calibri" panose="020F0502020204030204" pitchFamily="34" charset="0"/>
               </a:rPr>
               <a:t>designing networked applications</a:t>
             </a:r>
             <a:r>
-              <a:rPr lang="en-US" sz="2400" dirty="0">
+              <a:rPr lang="en-US" sz="2800" dirty="0">
                 <a:effectLst/>
                 <a:latin typeface="Calibri" panose="020F0502020204030204" pitchFamily="34" charset="0"/>
               </a:rPr>
               <a:t>. It relies on a </a:t>
             </a:r>
             <a:r>
-              <a:rPr lang="en-US" sz="2400" b="1" dirty="0">
+              <a:rPr lang="en-US" sz="2800" b="1" dirty="0">
                 <a:solidFill>
                   <a:srgbClr val="C00000"/>
                 </a:solidFill>
@@ -8578,14 +8742,14 @@
               <a:t>stateless</a:t>
             </a:r>
             <a:r>
-              <a:rPr lang="en-US" sz="2400" dirty="0">
+              <a:rPr lang="en-US" sz="2800" dirty="0">
                 <a:effectLst/>
                 <a:latin typeface="Calibri" panose="020F0502020204030204" pitchFamily="34" charset="0"/>
               </a:rPr>
               <a:t>, </a:t>
             </a:r>
             <a:r>
-              <a:rPr lang="en-US" sz="2400" b="1" dirty="0">
+              <a:rPr lang="en-US" sz="2800" b="1" dirty="0">
                 <a:solidFill>
                   <a:srgbClr val="C00000"/>
                 </a:solidFill>
@@ -8595,14 +8759,14 @@
               <a:t>client-server</a:t>
             </a:r>
             <a:r>
-              <a:rPr lang="en-US" sz="2400" dirty="0">
+              <a:rPr lang="en-US" sz="2800" dirty="0">
                 <a:effectLst/>
                 <a:latin typeface="Calibri" panose="020F0502020204030204" pitchFamily="34" charset="0"/>
               </a:rPr>
               <a:t>, </a:t>
             </a:r>
             <a:r>
-              <a:rPr lang="en-US" sz="2400" b="1" dirty="0">
+              <a:rPr lang="en-US" sz="2800" b="1" dirty="0">
                 <a:solidFill>
                   <a:srgbClr val="C00000"/>
                 </a:solidFill>
@@ -8612,42 +8776,42 @@
               <a:t>cacheable</a:t>
             </a:r>
             <a:r>
-              <a:rPr lang="en-US" sz="2400" dirty="0">
+              <a:rPr lang="en-US" sz="2800" dirty="0">
                 <a:effectLst/>
                 <a:latin typeface="Calibri" panose="020F0502020204030204" pitchFamily="34" charset="0"/>
               </a:rPr>
               <a:t> </a:t>
             </a:r>
             <a:r>
-              <a:rPr lang="en-US" sz="2400" b="1" dirty="0">
+              <a:rPr lang="en-US" sz="2800" b="1" dirty="0">
                 <a:effectLst/>
                 <a:latin typeface="Calibri" panose="020F0502020204030204" pitchFamily="34" charset="0"/>
               </a:rPr>
               <a:t>communications</a:t>
             </a:r>
             <a:r>
-              <a:rPr lang="en-US" sz="2400" dirty="0">
+              <a:rPr lang="en-US" sz="2800" dirty="0">
                 <a:effectLst/>
                 <a:latin typeface="Calibri" panose="020F0502020204030204" pitchFamily="34" charset="0"/>
               </a:rPr>
               <a:t> </a:t>
             </a:r>
             <a:r>
-              <a:rPr lang="en-US" sz="2400" b="1" dirty="0">
+              <a:rPr lang="en-US" sz="2800" b="1" dirty="0">
                 <a:effectLst/>
                 <a:latin typeface="Calibri" panose="020F0502020204030204" pitchFamily="34" charset="0"/>
               </a:rPr>
               <a:t>protocol</a:t>
             </a:r>
             <a:r>
-              <a:rPr lang="en-US" sz="2400" dirty="0">
+              <a:rPr lang="en-US" sz="2800" dirty="0">
                 <a:effectLst/>
                 <a:latin typeface="Calibri" panose="020F0502020204030204" pitchFamily="34" charset="0"/>
               </a:rPr>
               <a:t> -- the </a:t>
             </a:r>
             <a:r>
-              <a:rPr lang="en-US" sz="2400" b="1" dirty="0">
+              <a:rPr lang="en-US" sz="2800" b="1" dirty="0">
                 <a:solidFill>
                   <a:srgbClr val="C00000"/>
                 </a:solidFill>
@@ -8657,7 +8821,7 @@
               <a:t>HTTP</a:t>
             </a:r>
             <a:r>
-              <a:rPr lang="en-US" sz="2400" dirty="0">
+              <a:rPr lang="en-US" sz="2800" dirty="0">
                 <a:effectLst/>
                 <a:latin typeface="Calibri" panose="020F0502020204030204" pitchFamily="34" charset="0"/>
               </a:rPr>
@@ -8693,7 +8857,7 @@
         </p:blipFill>
         <p:spPr bwMode="auto">
           <a:xfrm>
-            <a:off x="6782306" y="939071"/>
+            <a:off x="7576961" y="939071"/>
             <a:ext cx="4552196" cy="4552196"/>
           </a:xfrm>
           <a:custGeom>
@@ -9254,10 +9418,35 @@
       </p:grpSpPr>
       <p:sp>
         <p:nvSpPr>
+          <p:cNvPr id="2" name="Title 1">
+            <a:extLst>
+              <a:ext uri="{FF2B5EF4-FFF2-40B4-BE49-F238E27FC236}">
+                <a16:creationId xmlns:a16="http://schemas.microsoft.com/office/drawing/2014/main" id="{21EEB0FE-EFF6-8C23-C9EF-3C6291F1B2CB}"/>
+              </a:ext>
+            </a:extLst>
+          </p:cNvPr>
+          <p:cNvSpPr>
+            <a:spLocks noGrp="1"/>
+          </p:cNvSpPr>
+          <p:nvPr>
+            <p:ph type="title"/>
+          </p:nvPr>
+        </p:nvSpPr>
+        <p:spPr/>
+        <p:txBody>
+          <a:bodyPr/>
+          <a:lstStyle/>
+          <a:p>
+            <a:endParaRPr lang="en-IN"/>
+          </a:p>
+        </p:txBody>
+      </p:sp>
+      <p:sp>
+        <p:nvSpPr>
           <p:cNvPr id="3" name="Content Placeholder 2">
             <a:extLst>
               <a:ext uri="{FF2B5EF4-FFF2-40B4-BE49-F238E27FC236}">
-                <a16:creationId xmlns:a16="http://schemas.microsoft.com/office/drawing/2014/main" id="{C24852E5-48D2-7FDD-AFBE-3710A8D74109}"/>
+                <a16:creationId xmlns:a16="http://schemas.microsoft.com/office/drawing/2014/main" id="{CECECACD-96E0-AAD8-D29D-B3E3851D081B}"/>
               </a:ext>
             </a:extLst>
           </p:cNvPr>
@@ -9268,161 +9457,21 @@
             <p:ph idx="1"/>
           </p:nvPr>
         </p:nvSpPr>
-        <p:spPr>
-          <a:xfrm>
-            <a:off x="777240" y="794657"/>
-            <a:ext cx="10659110" cy="5382306"/>
-          </a:xfrm>
-        </p:spPr>
+        <p:spPr/>
         <p:txBody>
-          <a:bodyPr>
-            <a:normAutofit/>
-          </a:bodyPr>
+          <a:bodyPr/>
           <a:lstStyle/>
           <a:p>
-            <a:pPr marL="0" indent="0">
-              <a:buNone/>
-            </a:pPr>
-            <a:r>
-              <a:rPr lang="en-US" sz="2800" b="1" dirty="0">
-                <a:solidFill>
-                  <a:srgbClr val="002060"/>
-                </a:solidFill>
-              </a:rPr>
-              <a:t>HTTP</a:t>
-            </a:r>
-            <a:r>
-              <a:rPr lang="en-US" sz="2800" dirty="0">
-                <a:solidFill>
-                  <a:srgbClr val="002060"/>
-                </a:solidFill>
-              </a:rPr>
-              <a:t> (</a:t>
-            </a:r>
-            <a:r>
-              <a:rPr lang="en-US" sz="2800" b="1" dirty="0" err="1">
-                <a:solidFill>
-                  <a:srgbClr val="002060"/>
-                </a:solidFill>
-              </a:rPr>
-              <a:t>HyperText</a:t>
-            </a:r>
-            <a:r>
-              <a:rPr lang="en-US" sz="2800" b="1" dirty="0">
-                <a:solidFill>
-                  <a:srgbClr val="002060"/>
-                </a:solidFill>
-              </a:rPr>
-              <a:t> Transfer Protocol</a:t>
-            </a:r>
-            <a:r>
-              <a:rPr lang="en-US" sz="2800" dirty="0">
-                <a:solidFill>
-                  <a:srgbClr val="002060"/>
-                </a:solidFill>
-              </a:rPr>
-              <a:t>):</a:t>
-            </a:r>
-          </a:p>
-          <a:p>
-            <a:pPr marL="0" indent="0">
-              <a:buNone/>
-            </a:pPr>
-            <a:r>
-              <a:rPr lang="en-US" sz="2400" dirty="0"/>
-              <a:t>HTTP is an </a:t>
-            </a:r>
-            <a:r>
-              <a:rPr lang="en-US" sz="2400" b="1" dirty="0"/>
-              <a:t>application-layer protocol</a:t>
-            </a:r>
-            <a:r>
-              <a:rPr lang="en-US" sz="2400" dirty="0"/>
-              <a:t> used for communication between </a:t>
-            </a:r>
-            <a:r>
-              <a:rPr lang="en-US" sz="2400" b="1" dirty="0">
-                <a:solidFill>
-                  <a:srgbClr val="C00000"/>
-                </a:solidFill>
-              </a:rPr>
-              <a:t>web browsers</a:t>
-            </a:r>
-            <a:r>
-              <a:rPr lang="en-US" sz="2400" dirty="0"/>
-              <a:t> (clients) and </a:t>
-            </a:r>
-            <a:r>
-              <a:rPr lang="en-US" sz="2400" b="1" dirty="0">
-                <a:solidFill>
-                  <a:srgbClr val="C00000"/>
-                </a:solidFill>
-              </a:rPr>
-              <a:t>web servers</a:t>
-            </a:r>
-            <a:r>
-              <a:rPr lang="en-US" sz="2400" dirty="0"/>
-              <a:t>. It defines </a:t>
-            </a:r>
-            <a:r>
-              <a:rPr lang="en-US" sz="2400" b="1" dirty="0"/>
-              <a:t>how messages are formatted and transmitted</a:t>
-            </a:r>
-            <a:r>
-              <a:rPr lang="en-US" sz="2400" dirty="0"/>
-              <a:t> over the internet, and how web servers and browsers should respond to various requests.</a:t>
-            </a:r>
-          </a:p>
-          <a:p>
-            <a:pPr marL="0" indent="0">
-              <a:buNone/>
-            </a:pPr>
-            <a:r>
-              <a:rPr lang="en-US" sz="2400" dirty="0"/>
-              <a:t>HTTP itself is a </a:t>
-            </a:r>
-            <a:r>
-              <a:rPr lang="en-US" sz="2400" b="1" dirty="0"/>
-              <a:t>protocol</a:t>
-            </a:r>
-            <a:r>
-              <a:rPr lang="en-US" sz="2400" dirty="0"/>
-              <a:t>, which means it already defines a set of </a:t>
-            </a:r>
-            <a:r>
-              <a:rPr lang="en-US" sz="2400" b="1" dirty="0"/>
-              <a:t>rules</a:t>
-            </a:r>
-            <a:r>
-              <a:rPr lang="en-US" sz="2400" dirty="0"/>
-              <a:t> (standards) for how communication happens between </a:t>
-            </a:r>
-            <a:r>
-              <a:rPr lang="en-US" sz="2400" b="1" dirty="0"/>
-              <a:t>client</a:t>
-            </a:r>
-            <a:r>
-              <a:rPr lang="en-US" sz="2400" dirty="0"/>
-              <a:t> and </a:t>
-            </a:r>
-            <a:r>
-              <a:rPr lang="en-US" sz="2400" b="1" dirty="0"/>
-              <a:t>server</a:t>
-            </a:r>
-            <a:r>
-              <a:rPr lang="en-US" sz="2400" dirty="0"/>
-              <a:t>.</a:t>
-            </a:r>
-            <a:endParaRPr lang="en-IN" sz="2400" dirty="0"/>
+            <a:endParaRPr lang="en-IN"/>
           </a:p>
         </p:txBody>
       </p:sp>
       <p:pic>
         <p:nvPicPr>
-          <p:cNvPr id="1030" name="Picture 6">
+          <p:cNvPr id="2050" name="Picture 2" descr="Understanding XML and JSON: When to Use Each File Format">
             <a:extLst>
               <a:ext uri="{FF2B5EF4-FFF2-40B4-BE49-F238E27FC236}">
-                <a16:creationId xmlns:a16="http://schemas.microsoft.com/office/drawing/2014/main" id="{83742EA8-D0AC-7293-B88F-F9BFCDB47D68}"/>
+                <a16:creationId xmlns:a16="http://schemas.microsoft.com/office/drawing/2014/main" id="{2726E523-6909-196C-6B38-AD5B16FA3860}"/>
               </a:ext>
             </a:extLst>
           </p:cNvPr>
@@ -9431,7 +9480,7 @@
           </p:cNvPicPr>
           <p:nvPr/>
         </p:nvPicPr>
-        <p:blipFill rotWithShape="1">
+        <p:blipFill>
           <a:blip r:embed="rId2">
             <a:extLst>
               <a:ext uri="{28A0092B-C50C-407E-A947-70E740481C1C}">
@@ -9439,15 +9488,15 @@
               </a:ext>
             </a:extLst>
           </a:blip>
-          <a:srcRect t="20068" b="20408"/>
+          <a:srcRect/>
           <a:stretch>
             <a:fillRect/>
           </a:stretch>
         </p:blipFill>
         <p:spPr bwMode="auto">
           <a:xfrm>
-            <a:off x="7358743" y="3799113"/>
-            <a:ext cx="3200400" cy="1905001"/>
+            <a:off x="0" y="0"/>
+            <a:ext cx="12192000" cy="6858000"/>
           </a:xfrm>
           <a:prstGeom prst="rect">
             <a:avLst/>
@@ -9467,7 +9516,7 @@
     </p:spTree>
     <p:extLst>
       <p:ext uri="{BB962C8B-B14F-4D97-AF65-F5344CB8AC3E}">
-        <p14:creationId xmlns:p14="http://schemas.microsoft.com/office/powerpoint/2010/main" val="4048674660"/>
+        <p14:creationId xmlns:p14="http://schemas.microsoft.com/office/powerpoint/2010/main" val="916502859"/>
       </p:ext>
     </p:extLst>
   </p:cSld>
@@ -9494,186 +9543,57 @@
           <a:chExt cx="0" cy="0"/>
         </a:xfrm>
       </p:grpSpPr>
-      <p:sp>
-        <p:nvSpPr>
-          <p:cNvPr id="3" name="Content Placeholder 2">
+      <p:pic>
+        <p:nvPicPr>
+          <p:cNvPr id="1030" name="Picture 6">
             <a:extLst>
               <a:ext uri="{FF2B5EF4-FFF2-40B4-BE49-F238E27FC236}">
-                <a16:creationId xmlns:a16="http://schemas.microsoft.com/office/drawing/2014/main" id="{3B478B0B-2F60-E49A-2B2A-B771A1FF49EF}"/>
+                <a16:creationId xmlns:a16="http://schemas.microsoft.com/office/drawing/2014/main" id="{243886C6-4738-5198-8FA3-91D62FB558F6}"/>
               </a:ext>
             </a:extLst>
           </p:cNvPr>
-          <p:cNvSpPr>
-            <a:spLocks noGrp="1"/>
-          </p:cNvSpPr>
-          <p:nvPr>
-            <p:ph idx="1"/>
-          </p:nvPr>
-        </p:nvSpPr>
-        <p:spPr>
+          <p:cNvPicPr>
+            <a:picLocks noChangeAspect="1" noChangeArrowheads="1"/>
+          </p:cNvPicPr>
+          <p:nvPr/>
+        </p:nvPicPr>
+        <p:blipFill>
+          <a:blip r:embed="rId2">
+            <a:extLst>
+              <a:ext uri="{28A0092B-C50C-407E-A947-70E740481C1C}">
+                <a14:useLocalDpi xmlns:a14="http://schemas.microsoft.com/office/drawing/2010/main" val="0"/>
+              </a:ext>
+            </a:extLst>
+          </a:blip>
+          <a:srcRect/>
+          <a:stretch>
+            <a:fillRect/>
+          </a:stretch>
+        </p:blipFill>
+        <p:spPr bwMode="auto">
           <a:xfrm>
-            <a:off x="777240" y="859971"/>
-            <a:ext cx="10659110" cy="5316992"/>
+            <a:off x="0" y="1682750"/>
+            <a:ext cx="12192000" cy="3492500"/>
           </a:xfrm>
+          <a:prstGeom prst="rect">
+            <a:avLst/>
+          </a:prstGeom>
+          <a:noFill/>
+          <a:extLst>
+            <a:ext uri="{909E8E84-426E-40DD-AFC4-6F175D3DCCD1}">
+              <a14:hiddenFill xmlns:a14="http://schemas.microsoft.com/office/drawing/2010/main">
+                <a:solidFill>
+                  <a:srgbClr val="FFFFFF"/>
+                </a:solidFill>
+              </a14:hiddenFill>
+            </a:ext>
+          </a:extLst>
         </p:spPr>
-        <p:txBody>
-          <a:bodyPr>
-            <a:normAutofit/>
-          </a:bodyPr>
-          <a:lstStyle/>
-          <a:p>
-            <a:pPr marL="0" indent="0">
-              <a:buNone/>
-            </a:pPr>
-            <a:r>
-              <a:rPr lang="en-US" sz="2800" b="1" dirty="0"/>
-              <a:t>Core Rules/Protocols of HTTP</a:t>
-            </a:r>
-          </a:p>
-          <a:p>
-            <a:pPr marL="457200" indent="-457200">
-              <a:buFont typeface="+mj-lt"/>
-              <a:buAutoNum type="arabicPeriod"/>
-            </a:pPr>
-            <a:r>
-              <a:rPr lang="en-US" sz="2400" b="1" dirty="0"/>
-              <a:t>Client–Server Rule</a:t>
-            </a:r>
-            <a:endParaRPr lang="en-US" sz="2400" dirty="0"/>
-          </a:p>
-          <a:p>
-            <a:pPr lvl="1"/>
-            <a:r>
-              <a:rPr lang="en-US" sz="2400" dirty="0"/>
-              <a:t>Communication always happens between a </a:t>
-            </a:r>
-            <a:r>
-              <a:rPr lang="en-US" sz="2400" b="1" dirty="0"/>
-              <a:t>client</a:t>
-            </a:r>
-            <a:r>
-              <a:rPr lang="en-US" sz="2400" dirty="0"/>
-              <a:t> (e.g., browser, mobile app) and a </a:t>
-            </a:r>
-            <a:r>
-              <a:rPr lang="en-US" sz="2400" b="1" dirty="0"/>
-              <a:t>server</a:t>
-            </a:r>
-            <a:r>
-              <a:rPr lang="en-US" sz="2400" dirty="0"/>
-              <a:t> (website/server).</a:t>
-            </a:r>
-          </a:p>
-          <a:p>
-            <a:pPr lvl="1"/>
-            <a:r>
-              <a:rPr lang="en-US" sz="2400" dirty="0"/>
-              <a:t>The client sends a </a:t>
-            </a:r>
-            <a:r>
-              <a:rPr lang="en-US" sz="2400" b="1" dirty="0"/>
-              <a:t>request</a:t>
-            </a:r>
-            <a:r>
-              <a:rPr lang="en-US" sz="2400" dirty="0"/>
-              <a:t>, and the server sends a </a:t>
-            </a:r>
-            <a:r>
-              <a:rPr lang="en-US" sz="2400" b="1" dirty="0"/>
-              <a:t>response</a:t>
-            </a:r>
-            <a:r>
-              <a:rPr lang="en-US" sz="2400" dirty="0"/>
-              <a:t>.</a:t>
-            </a:r>
-          </a:p>
-          <a:p>
-            <a:pPr marL="457200" indent="-457200">
-              <a:buFont typeface="+mj-lt"/>
-              <a:buAutoNum type="arabicPeriod"/>
-            </a:pPr>
-            <a:r>
-              <a:rPr lang="en-US" sz="2400" b="1" dirty="0"/>
-              <a:t>Statelessness</a:t>
-            </a:r>
-            <a:endParaRPr lang="en-US" sz="2400" dirty="0"/>
-          </a:p>
-          <a:p>
-            <a:pPr lvl="1"/>
-            <a:r>
-              <a:rPr lang="en-US" sz="2400" dirty="0"/>
-              <a:t>Every HTTP request is </a:t>
-            </a:r>
-            <a:r>
-              <a:rPr lang="en-US" sz="2400" b="1" dirty="0"/>
-              <a:t>independent</a:t>
-            </a:r>
-            <a:r>
-              <a:rPr lang="en-US" sz="2400" dirty="0"/>
-              <a:t>.</a:t>
-            </a:r>
-          </a:p>
-          <a:p>
-            <a:pPr lvl="1"/>
-            <a:r>
-              <a:rPr lang="en-US" sz="2400" dirty="0"/>
-              <a:t>The server does not store session information by default.</a:t>
-            </a:r>
-          </a:p>
-          <a:p>
-            <a:pPr lvl="1"/>
-            <a:r>
-              <a:rPr lang="en-US" sz="2400" dirty="0"/>
-              <a:t>If needed, </a:t>
-            </a:r>
-            <a:r>
-              <a:rPr lang="en-US" sz="2400" b="1" dirty="0"/>
-              <a:t>cookies, sessions, or tokens</a:t>
-            </a:r>
-            <a:r>
-              <a:rPr lang="en-US" sz="2400" dirty="0"/>
-              <a:t> are used to maintain state.</a:t>
-            </a:r>
-          </a:p>
-          <a:p>
-            <a:pPr marL="457200" indent="-457200">
-              <a:buFont typeface="+mj-lt"/>
-              <a:buAutoNum type="arabicPeriod"/>
-            </a:pPr>
-            <a:r>
-              <a:rPr lang="en-US" sz="2400" b="1" dirty="0"/>
-              <a:t>Request–Response Format</a:t>
-            </a:r>
-            <a:endParaRPr lang="en-US" sz="2400" dirty="0"/>
-          </a:p>
-          <a:p>
-            <a:pPr lvl="1"/>
-            <a:r>
-              <a:rPr lang="en-US" sz="2400" b="1" dirty="0"/>
-              <a:t>Request = Method + URL + Headers + Body (optional)</a:t>
-            </a:r>
-            <a:endParaRPr lang="en-US" sz="2400" dirty="0"/>
-          </a:p>
-          <a:p>
-            <a:pPr lvl="1"/>
-            <a:r>
-              <a:rPr lang="en-US" sz="2400" b="1" dirty="0"/>
-              <a:t>Response = Status Code + Headers + Body (optional)</a:t>
-            </a:r>
-            <a:endParaRPr lang="en-US" sz="2400" dirty="0"/>
-          </a:p>
-          <a:p>
-            <a:pPr marL="0" indent="0">
-              <a:buNone/>
-            </a:pPr>
-            <a:endParaRPr lang="en-IN" sz="2400" dirty="0"/>
-          </a:p>
-        </p:txBody>
-      </p:sp>
+      </p:pic>
     </p:spTree>
     <p:extLst>
       <p:ext uri="{BB962C8B-B14F-4D97-AF65-F5344CB8AC3E}">
-        <p14:creationId xmlns:p14="http://schemas.microsoft.com/office/powerpoint/2010/main" val="1151027427"/>
+        <p14:creationId xmlns:p14="http://schemas.microsoft.com/office/powerpoint/2010/main" val="1110909040"/>
       </p:ext>
     </p:extLst>
   </p:cSld>
@@ -11449,6 +11369,454 @@
       </p:grpSpPr>
       <p:sp>
         <p:nvSpPr>
+          <p:cNvPr id="3" name="Content Placeholder 2">
+            <a:extLst>
+              <a:ext uri="{FF2B5EF4-FFF2-40B4-BE49-F238E27FC236}">
+                <a16:creationId xmlns:a16="http://schemas.microsoft.com/office/drawing/2014/main" id="{C24852E5-48D2-7FDD-AFBE-3710A8D74109}"/>
+              </a:ext>
+            </a:extLst>
+          </p:cNvPr>
+          <p:cNvSpPr>
+            <a:spLocks noGrp="1"/>
+          </p:cNvSpPr>
+          <p:nvPr>
+            <p:ph idx="1"/>
+          </p:nvPr>
+        </p:nvSpPr>
+        <p:spPr>
+          <a:xfrm>
+            <a:off x="777240" y="794657"/>
+            <a:ext cx="10659110" cy="5382306"/>
+          </a:xfrm>
+        </p:spPr>
+        <p:txBody>
+          <a:bodyPr>
+            <a:normAutofit/>
+          </a:bodyPr>
+          <a:lstStyle/>
+          <a:p>
+            <a:pPr marL="0" indent="0">
+              <a:buNone/>
+            </a:pPr>
+            <a:r>
+              <a:rPr lang="en-US" sz="2800" b="1" dirty="0">
+                <a:solidFill>
+                  <a:srgbClr val="002060"/>
+                </a:solidFill>
+              </a:rPr>
+              <a:t>HTTP</a:t>
+            </a:r>
+            <a:r>
+              <a:rPr lang="en-US" sz="2800" dirty="0">
+                <a:solidFill>
+                  <a:srgbClr val="002060"/>
+                </a:solidFill>
+              </a:rPr>
+              <a:t> (</a:t>
+            </a:r>
+            <a:r>
+              <a:rPr lang="en-US" sz="2800" b="1" dirty="0" err="1">
+                <a:solidFill>
+                  <a:srgbClr val="002060"/>
+                </a:solidFill>
+              </a:rPr>
+              <a:t>HyperText</a:t>
+            </a:r>
+            <a:r>
+              <a:rPr lang="en-US" sz="2800" b="1" dirty="0">
+                <a:solidFill>
+                  <a:srgbClr val="002060"/>
+                </a:solidFill>
+              </a:rPr>
+              <a:t> Transfer Protocol</a:t>
+            </a:r>
+            <a:r>
+              <a:rPr lang="en-US" sz="2800" dirty="0">
+                <a:solidFill>
+                  <a:srgbClr val="002060"/>
+                </a:solidFill>
+              </a:rPr>
+              <a:t>):</a:t>
+            </a:r>
+          </a:p>
+          <a:p>
+            <a:pPr marL="0" indent="0">
+              <a:buNone/>
+            </a:pPr>
+            <a:r>
+              <a:rPr lang="en-US" sz="2400" dirty="0"/>
+              <a:t>HTTP is an </a:t>
+            </a:r>
+            <a:r>
+              <a:rPr lang="en-US" sz="2400" b="1" dirty="0"/>
+              <a:t>application-layer protocol</a:t>
+            </a:r>
+            <a:r>
+              <a:rPr lang="en-US" sz="2400" dirty="0"/>
+              <a:t> used for communication between </a:t>
+            </a:r>
+            <a:r>
+              <a:rPr lang="en-US" sz="2400" b="1" dirty="0">
+                <a:solidFill>
+                  <a:srgbClr val="C00000"/>
+                </a:solidFill>
+              </a:rPr>
+              <a:t>web browsers</a:t>
+            </a:r>
+            <a:r>
+              <a:rPr lang="en-US" sz="2400" dirty="0"/>
+              <a:t> (clients) and </a:t>
+            </a:r>
+            <a:r>
+              <a:rPr lang="en-US" sz="2400" b="1" dirty="0">
+                <a:solidFill>
+                  <a:srgbClr val="C00000"/>
+                </a:solidFill>
+              </a:rPr>
+              <a:t>web servers</a:t>
+            </a:r>
+            <a:r>
+              <a:rPr lang="en-US" sz="2400" dirty="0"/>
+              <a:t>. It defines </a:t>
+            </a:r>
+            <a:r>
+              <a:rPr lang="en-US" sz="2400" b="1" dirty="0"/>
+              <a:t>how messages are formatted and transmitted</a:t>
+            </a:r>
+            <a:r>
+              <a:rPr lang="en-US" sz="2400" dirty="0"/>
+              <a:t> over the internet, and how web servers and browsers should respond to various requests.</a:t>
+            </a:r>
+          </a:p>
+          <a:p>
+            <a:pPr marL="0" indent="0">
+              <a:buNone/>
+            </a:pPr>
+            <a:r>
+              <a:rPr lang="en-US" sz="2400" dirty="0"/>
+              <a:t>HTTP itself is a </a:t>
+            </a:r>
+            <a:r>
+              <a:rPr lang="en-US" sz="2400" b="1" dirty="0"/>
+              <a:t>protocol</a:t>
+            </a:r>
+            <a:r>
+              <a:rPr lang="en-US" sz="2400" dirty="0"/>
+              <a:t>, which means it already defines a set of </a:t>
+            </a:r>
+            <a:r>
+              <a:rPr lang="en-US" sz="2400" b="1" dirty="0"/>
+              <a:t>rules</a:t>
+            </a:r>
+            <a:r>
+              <a:rPr lang="en-US" sz="2400" dirty="0"/>
+              <a:t> (standards) for how communication happens between </a:t>
+            </a:r>
+            <a:r>
+              <a:rPr lang="en-US" sz="2400" b="1" dirty="0"/>
+              <a:t>client</a:t>
+            </a:r>
+            <a:r>
+              <a:rPr lang="en-US" sz="2400" dirty="0"/>
+              <a:t> and </a:t>
+            </a:r>
+            <a:r>
+              <a:rPr lang="en-US" sz="2400" b="1" dirty="0"/>
+              <a:t>server</a:t>
+            </a:r>
+            <a:r>
+              <a:rPr lang="en-US" sz="2400" dirty="0"/>
+              <a:t>.</a:t>
+            </a:r>
+            <a:endParaRPr lang="en-IN" sz="2400" dirty="0"/>
+          </a:p>
+        </p:txBody>
+      </p:sp>
+      <p:pic>
+        <p:nvPicPr>
+          <p:cNvPr id="1030" name="Picture 6">
+            <a:extLst>
+              <a:ext uri="{FF2B5EF4-FFF2-40B4-BE49-F238E27FC236}">
+                <a16:creationId xmlns:a16="http://schemas.microsoft.com/office/drawing/2014/main" id="{83742EA8-D0AC-7293-B88F-F9BFCDB47D68}"/>
+              </a:ext>
+            </a:extLst>
+          </p:cNvPr>
+          <p:cNvPicPr>
+            <a:picLocks noChangeAspect="1" noChangeArrowheads="1"/>
+          </p:cNvPicPr>
+          <p:nvPr/>
+        </p:nvPicPr>
+        <p:blipFill rotWithShape="1">
+          <a:blip r:embed="rId2">
+            <a:extLst>
+              <a:ext uri="{28A0092B-C50C-407E-A947-70E740481C1C}">
+                <a14:useLocalDpi xmlns:a14="http://schemas.microsoft.com/office/drawing/2010/main" val="0"/>
+              </a:ext>
+            </a:extLst>
+          </a:blip>
+          <a:srcRect t="20068" b="20408"/>
+          <a:stretch>
+            <a:fillRect/>
+          </a:stretch>
+        </p:blipFill>
+        <p:spPr bwMode="auto">
+          <a:xfrm>
+            <a:off x="7358743" y="3799113"/>
+            <a:ext cx="3200400" cy="1905001"/>
+          </a:xfrm>
+          <a:prstGeom prst="rect">
+            <a:avLst/>
+          </a:prstGeom>
+          <a:noFill/>
+          <a:extLst>
+            <a:ext uri="{909E8E84-426E-40DD-AFC4-6F175D3DCCD1}">
+              <a14:hiddenFill xmlns:a14="http://schemas.microsoft.com/office/drawing/2010/main">
+                <a:solidFill>
+                  <a:srgbClr val="FFFFFF"/>
+                </a:solidFill>
+              </a14:hiddenFill>
+            </a:ext>
+          </a:extLst>
+        </p:spPr>
+      </p:pic>
+    </p:spTree>
+    <p:extLst>
+      <p:ext uri="{BB962C8B-B14F-4D97-AF65-F5344CB8AC3E}">
+        <p14:creationId xmlns:p14="http://schemas.microsoft.com/office/powerpoint/2010/main" val="4048674660"/>
+      </p:ext>
+    </p:extLst>
+  </p:cSld>
+  <p:clrMapOvr>
+    <a:masterClrMapping/>
+  </p:clrMapOvr>
+</p:sld>
+</file>
+
+<file path=ppt/slides/slide21.xml><?xml version="1.0" encoding="utf-8"?>
+<p:sld xmlns:a="http://schemas.openxmlformats.org/drawingml/2006/main" xmlns:r="http://schemas.openxmlformats.org/officeDocument/2006/relationships" xmlns:p="http://schemas.openxmlformats.org/presentationml/2006/main">
+  <p:cSld>
+    <p:spTree>
+      <p:nvGrpSpPr>
+        <p:cNvPr id="1" name=""/>
+        <p:cNvGrpSpPr/>
+        <p:nvPr/>
+      </p:nvGrpSpPr>
+      <p:grpSpPr>
+        <a:xfrm>
+          <a:off x="0" y="0"/>
+          <a:ext cx="0" cy="0"/>
+          <a:chOff x="0" y="0"/>
+          <a:chExt cx="0" cy="0"/>
+        </a:xfrm>
+      </p:grpSpPr>
+      <p:sp>
+        <p:nvSpPr>
+          <p:cNvPr id="3" name="Content Placeholder 2">
+            <a:extLst>
+              <a:ext uri="{FF2B5EF4-FFF2-40B4-BE49-F238E27FC236}">
+                <a16:creationId xmlns:a16="http://schemas.microsoft.com/office/drawing/2014/main" id="{3B478B0B-2F60-E49A-2B2A-B771A1FF49EF}"/>
+              </a:ext>
+            </a:extLst>
+          </p:cNvPr>
+          <p:cNvSpPr>
+            <a:spLocks noGrp="1"/>
+          </p:cNvSpPr>
+          <p:nvPr>
+            <p:ph idx="1"/>
+          </p:nvPr>
+        </p:nvSpPr>
+        <p:spPr>
+          <a:xfrm>
+            <a:off x="777240" y="859971"/>
+            <a:ext cx="10659110" cy="5316992"/>
+          </a:xfrm>
+        </p:spPr>
+        <p:txBody>
+          <a:bodyPr>
+            <a:normAutofit/>
+          </a:bodyPr>
+          <a:lstStyle/>
+          <a:p>
+            <a:pPr marL="0" indent="0">
+              <a:buNone/>
+            </a:pPr>
+            <a:r>
+              <a:rPr lang="en-US" sz="2800" b="1" dirty="0"/>
+              <a:t>Core Rules/Protocols of HTTP</a:t>
+            </a:r>
+          </a:p>
+          <a:p>
+            <a:pPr marL="457200" indent="-457200">
+              <a:buFont typeface="+mj-lt"/>
+              <a:buAutoNum type="arabicPeriod"/>
+            </a:pPr>
+            <a:r>
+              <a:rPr lang="en-US" sz="2400" b="1" dirty="0"/>
+              <a:t>Client–Server Rule</a:t>
+            </a:r>
+            <a:endParaRPr lang="en-US" sz="2400" dirty="0"/>
+          </a:p>
+          <a:p>
+            <a:pPr lvl="1"/>
+            <a:r>
+              <a:rPr lang="en-US" sz="2400" dirty="0"/>
+              <a:t>Communication always happens between a </a:t>
+            </a:r>
+            <a:r>
+              <a:rPr lang="en-US" sz="2400" b="1" dirty="0"/>
+              <a:t>client</a:t>
+            </a:r>
+            <a:r>
+              <a:rPr lang="en-US" sz="2400" dirty="0"/>
+              <a:t> (e.g., browser, mobile app) and a </a:t>
+            </a:r>
+            <a:r>
+              <a:rPr lang="en-US" sz="2400" b="1" dirty="0"/>
+              <a:t>server</a:t>
+            </a:r>
+            <a:r>
+              <a:rPr lang="en-US" sz="2400" dirty="0"/>
+              <a:t> (website/server).</a:t>
+            </a:r>
+          </a:p>
+          <a:p>
+            <a:pPr lvl="1"/>
+            <a:r>
+              <a:rPr lang="en-US" sz="2400" dirty="0"/>
+              <a:t>The client sends a </a:t>
+            </a:r>
+            <a:r>
+              <a:rPr lang="en-US" sz="2400" b="1" dirty="0"/>
+              <a:t>request</a:t>
+            </a:r>
+            <a:r>
+              <a:rPr lang="en-US" sz="2400" dirty="0"/>
+              <a:t>, and the server sends a </a:t>
+            </a:r>
+            <a:r>
+              <a:rPr lang="en-US" sz="2400" b="1" dirty="0"/>
+              <a:t>response</a:t>
+            </a:r>
+            <a:r>
+              <a:rPr lang="en-US" sz="2400" dirty="0"/>
+              <a:t>.</a:t>
+            </a:r>
+          </a:p>
+          <a:p>
+            <a:pPr marL="457200" indent="-457200">
+              <a:buFont typeface="+mj-lt"/>
+              <a:buAutoNum type="arabicPeriod"/>
+            </a:pPr>
+            <a:r>
+              <a:rPr lang="en-US" sz="2400" b="1" dirty="0"/>
+              <a:t>Statelessness</a:t>
+            </a:r>
+            <a:endParaRPr lang="en-US" sz="2400" dirty="0"/>
+          </a:p>
+          <a:p>
+            <a:pPr lvl="1"/>
+            <a:r>
+              <a:rPr lang="en-US" sz="2400" dirty="0"/>
+              <a:t>Every HTTP request is </a:t>
+            </a:r>
+            <a:r>
+              <a:rPr lang="en-US" sz="2400" b="1" dirty="0"/>
+              <a:t>independent</a:t>
+            </a:r>
+            <a:r>
+              <a:rPr lang="en-US" sz="2400" dirty="0"/>
+              <a:t>.</a:t>
+            </a:r>
+          </a:p>
+          <a:p>
+            <a:pPr lvl="1"/>
+            <a:r>
+              <a:rPr lang="en-US" sz="2400" dirty="0"/>
+              <a:t>The server does not store session information by default.</a:t>
+            </a:r>
+          </a:p>
+          <a:p>
+            <a:pPr lvl="1"/>
+            <a:r>
+              <a:rPr lang="en-US" sz="2400" dirty="0"/>
+              <a:t>If needed, </a:t>
+            </a:r>
+            <a:r>
+              <a:rPr lang="en-US" sz="2400" b="1" dirty="0"/>
+              <a:t>cookies, sessions, or tokens</a:t>
+            </a:r>
+            <a:r>
+              <a:rPr lang="en-US" sz="2400" dirty="0"/>
+              <a:t> are used to maintain state.</a:t>
+            </a:r>
+          </a:p>
+          <a:p>
+            <a:pPr marL="457200" indent="-457200">
+              <a:buFont typeface="+mj-lt"/>
+              <a:buAutoNum type="arabicPeriod"/>
+            </a:pPr>
+            <a:r>
+              <a:rPr lang="en-US" sz="2400" b="1" dirty="0"/>
+              <a:t>Request–Response Format</a:t>
+            </a:r>
+            <a:endParaRPr lang="en-US" sz="2400" dirty="0"/>
+          </a:p>
+          <a:p>
+            <a:pPr lvl="1"/>
+            <a:r>
+              <a:rPr lang="en-US" sz="2400" b="1" dirty="0"/>
+              <a:t>Request = Method + URL + Headers + Body (optional)</a:t>
+            </a:r>
+            <a:endParaRPr lang="en-US" sz="2400" dirty="0"/>
+          </a:p>
+          <a:p>
+            <a:pPr lvl="1"/>
+            <a:r>
+              <a:rPr lang="en-US" sz="2400" b="1" dirty="0"/>
+              <a:t>Response = Status Code + Headers + Body (optional)</a:t>
+            </a:r>
+            <a:endParaRPr lang="en-US" sz="2400" dirty="0"/>
+          </a:p>
+          <a:p>
+            <a:pPr marL="0" indent="0">
+              <a:buNone/>
+            </a:pPr>
+            <a:endParaRPr lang="en-IN" sz="2400" dirty="0"/>
+          </a:p>
+        </p:txBody>
+      </p:sp>
+    </p:spTree>
+    <p:extLst>
+      <p:ext uri="{BB962C8B-B14F-4D97-AF65-F5344CB8AC3E}">
+        <p14:creationId xmlns:p14="http://schemas.microsoft.com/office/powerpoint/2010/main" val="1151027427"/>
+      </p:ext>
+    </p:extLst>
+  </p:cSld>
+  <p:clrMapOvr>
+    <a:masterClrMapping/>
+  </p:clrMapOvr>
+</p:sld>
+</file>
+
+<file path=ppt/slides/slide22.xml><?xml version="1.0" encoding="utf-8"?>
+<p:sld xmlns:a="http://schemas.openxmlformats.org/drawingml/2006/main" xmlns:r="http://schemas.openxmlformats.org/officeDocument/2006/relationships" xmlns:p="http://schemas.openxmlformats.org/presentationml/2006/main">
+  <p:cSld>
+    <p:spTree>
+      <p:nvGrpSpPr>
+        <p:cNvPr id="1" name=""/>
+        <p:cNvGrpSpPr/>
+        <p:nvPr/>
+      </p:nvGrpSpPr>
+      <p:grpSpPr>
+        <a:xfrm>
+          <a:off x="0" y="0"/>
+          <a:ext cx="0" cy="0"/>
+          <a:chOff x="0" y="0"/>
+          <a:chExt cx="0" cy="0"/>
+        </a:xfrm>
+      </p:grpSpPr>
+      <p:sp>
+        <p:nvSpPr>
           <p:cNvPr id="5" name="Content Placeholder 4">
             <a:extLst>
               <a:ext uri="{FF2B5EF4-FFF2-40B4-BE49-F238E27FC236}">
@@ -11611,7 +11979,7 @@
 </p:sld>
 </file>
 
-<file path=ppt/slides/slide21.xml><?xml version="1.0" encoding="utf-8"?>
+<file path=ppt/slides/slide23.xml><?xml version="1.0" encoding="utf-8"?>
 <p:sld xmlns:a="http://schemas.openxmlformats.org/drawingml/2006/main" xmlns:r="http://schemas.openxmlformats.org/officeDocument/2006/relationships" xmlns:p="http://schemas.openxmlformats.org/presentationml/2006/main">
   <p:cSld>
     <p:spTree>
@@ -11760,7 +12128,7 @@
 </p:sld>
 </file>
 
-<file path=ppt/slides/slide22.xml><?xml version="1.0" encoding="utf-8"?>
+<file path=ppt/slides/slide24.xml><?xml version="1.0" encoding="utf-8"?>
 <p:sld xmlns:a="http://schemas.openxmlformats.org/drawingml/2006/main" xmlns:r="http://schemas.openxmlformats.org/officeDocument/2006/relationships" xmlns:p="http://schemas.openxmlformats.org/presentationml/2006/main">
   <p:cSld>
     <p:spTree>
@@ -12022,7 +12390,7 @@
 </p:sld>
 </file>
 
-<file path=ppt/slides/slide23.xml><?xml version="1.0" encoding="utf-8"?>
+<file path=ppt/slides/slide25.xml><?xml version="1.0" encoding="utf-8"?>
 <p:sld xmlns:a="http://schemas.openxmlformats.org/drawingml/2006/main" xmlns:r="http://schemas.openxmlformats.org/officeDocument/2006/relationships" xmlns:p="http://schemas.openxmlformats.org/presentationml/2006/main">
   <p:cSld>
     <p:spTree>
@@ -12296,7 +12664,7 @@
 </p:sld>
 </file>
 
-<file path=ppt/slides/slide24.xml><?xml version="1.0" encoding="utf-8"?>
+<file path=ppt/slides/slide26.xml><?xml version="1.0" encoding="utf-8"?>
 <p:sld xmlns:a="http://schemas.openxmlformats.org/drawingml/2006/main" xmlns:r="http://schemas.openxmlformats.org/officeDocument/2006/relationships" xmlns:p="http://schemas.openxmlformats.org/presentationml/2006/main">
   <p:cSld>
     <p:spTree>
@@ -12552,7 +12920,7 @@
 </p:sld>
 </file>
 
-<file path=ppt/slides/slide25.xml><?xml version="1.0" encoding="utf-8"?>
+<file path=ppt/slides/slide27.xml><?xml version="1.0" encoding="utf-8"?>
 <p:sld xmlns:a="http://schemas.openxmlformats.org/drawingml/2006/main" xmlns:r="http://schemas.openxmlformats.org/officeDocument/2006/relationships" xmlns:p="http://schemas.openxmlformats.org/presentationml/2006/main">
   <p:cSld>
     <p:spTree>
@@ -12882,7 +13250,7 @@
 </p:sld>
 </file>
 
-<file path=ppt/slides/slide26.xml><?xml version="1.0" encoding="utf-8"?>
+<file path=ppt/slides/slide28.xml><?xml version="1.0" encoding="utf-8"?>
 <p:sld xmlns:a="http://schemas.openxmlformats.org/drawingml/2006/main" xmlns:r="http://schemas.openxmlformats.org/officeDocument/2006/relationships" xmlns:p="http://schemas.openxmlformats.org/presentationml/2006/main">
   <p:cSld>
     <p:spTree>
@@ -13071,7 +13439,7 @@
 </p:sld>
 </file>
 
-<file path=ppt/slides/slide27.xml><?xml version="1.0" encoding="utf-8"?>
+<file path=ppt/slides/slide29.xml><?xml version="1.0" encoding="utf-8"?>
 <p:sld xmlns:a="http://schemas.openxmlformats.org/drawingml/2006/main" xmlns:r="http://schemas.openxmlformats.org/officeDocument/2006/relationships" xmlns:p="http://schemas.openxmlformats.org/presentationml/2006/main">
   <p:cSld>
     <p:spTree>
@@ -13303,546 +13671,6 @@
     <p:extLst>
       <p:ext uri="{BB962C8B-B14F-4D97-AF65-F5344CB8AC3E}">
         <p14:creationId xmlns:p14="http://schemas.microsoft.com/office/powerpoint/2010/main" val="3009349544"/>
-      </p:ext>
-    </p:extLst>
-  </p:cSld>
-  <p:clrMapOvr>
-    <a:masterClrMapping/>
-  </p:clrMapOvr>
-</p:sld>
-</file>
-
-<file path=ppt/slides/slide28.xml><?xml version="1.0" encoding="utf-8"?>
-<p:sld xmlns:a="http://schemas.openxmlformats.org/drawingml/2006/main" xmlns:r="http://schemas.openxmlformats.org/officeDocument/2006/relationships" xmlns:p="http://schemas.openxmlformats.org/presentationml/2006/main">
-  <p:cSld>
-    <p:spTree>
-      <p:nvGrpSpPr>
-        <p:cNvPr id="1" name="">
-          <a:extLst>
-            <a:ext uri="{FF2B5EF4-FFF2-40B4-BE49-F238E27FC236}">
-              <a16:creationId xmlns:a16="http://schemas.microsoft.com/office/drawing/2014/main" id="{11183051-0FC8-FC88-9D9C-1236A5D4D11B}"/>
-            </a:ext>
-          </a:extLst>
-        </p:cNvPr>
-        <p:cNvGrpSpPr/>
-        <p:nvPr/>
-      </p:nvGrpSpPr>
-      <p:grpSpPr>
-        <a:xfrm>
-          <a:off x="0" y="0"/>
-          <a:ext cx="0" cy="0"/>
-          <a:chOff x="0" y="0"/>
-          <a:chExt cx="0" cy="0"/>
-        </a:xfrm>
-      </p:grpSpPr>
-      <p:sp>
-        <p:nvSpPr>
-          <p:cNvPr id="3" name="Content Placeholder 2">
-            <a:extLst>
-              <a:ext uri="{FF2B5EF4-FFF2-40B4-BE49-F238E27FC236}">
-                <a16:creationId xmlns:a16="http://schemas.microsoft.com/office/drawing/2014/main" id="{FABA97B3-BA14-849C-133A-57BA605B9E31}"/>
-              </a:ext>
-            </a:extLst>
-          </p:cNvPr>
-          <p:cNvSpPr>
-            <a:spLocks noGrp="1"/>
-          </p:cNvSpPr>
-          <p:nvPr>
-            <p:ph idx="1"/>
-          </p:nvPr>
-        </p:nvSpPr>
-        <p:spPr>
-          <a:xfrm>
-            <a:off x="777240" y="592183"/>
-            <a:ext cx="10659110" cy="5584780"/>
-          </a:xfrm>
-        </p:spPr>
-        <p:txBody>
-          <a:bodyPr>
-            <a:normAutofit/>
-          </a:bodyPr>
-          <a:lstStyle/>
-          <a:p>
-            <a:pPr marL="0" indent="0">
-              <a:buNone/>
-            </a:pPr>
-            <a:r>
-              <a:rPr lang="en-US" sz="2400" b="1" dirty="0"/>
-              <a:t>3. Resource-Intensive:</a:t>
-            </a:r>
-          </a:p>
-          <a:p>
-            <a:pPr marL="0" indent="0">
-              <a:buNone/>
-            </a:pPr>
-            <a:r>
-              <a:rPr lang="en-US" sz="2200" dirty="0"/>
-              <a:t>Traditional web servers tend to </a:t>
-            </a:r>
-            <a:r>
-              <a:rPr lang="en-US" sz="2200" b="1" dirty="0">
-                <a:solidFill>
-                  <a:srgbClr val="C00000"/>
-                </a:solidFill>
-              </a:rPr>
-              <a:t>consume significant memory</a:t>
-            </a:r>
-            <a:r>
-              <a:rPr lang="en-US" sz="2200" dirty="0"/>
-              <a:t> and </a:t>
-            </a:r>
-            <a:r>
-              <a:rPr lang="en-US" sz="2200" b="1" dirty="0">
-                <a:solidFill>
-                  <a:srgbClr val="C00000"/>
-                </a:solidFill>
-              </a:rPr>
-              <a:t>CPU</a:t>
-            </a:r>
-            <a:r>
-              <a:rPr lang="en-US" sz="2200" dirty="0"/>
-              <a:t> resources due to their </a:t>
-            </a:r>
-            <a:r>
-              <a:rPr lang="en-US" sz="2200" b="1" dirty="0"/>
-              <a:t>multi-threaded</a:t>
-            </a:r>
-            <a:r>
-              <a:rPr lang="en-US" sz="2200" dirty="0"/>
-              <a:t> or </a:t>
-            </a:r>
-            <a:r>
-              <a:rPr lang="en-US" sz="2200" b="1" dirty="0"/>
-              <a:t>multi-process</a:t>
-            </a:r>
-            <a:r>
-              <a:rPr lang="en-US" sz="2200" dirty="0"/>
-              <a:t> model.</a:t>
-            </a:r>
-          </a:p>
-          <a:p>
-            <a:pPr marL="0" indent="0">
-              <a:buNone/>
-            </a:pPr>
-            <a:r>
-              <a:rPr lang="en-US" sz="2200" dirty="0"/>
-              <a:t>These servers struggle with modern web use cases like </a:t>
-            </a:r>
-            <a:r>
-              <a:rPr lang="en-US" sz="2200" b="1" dirty="0">
-                <a:solidFill>
-                  <a:srgbClr val="002060"/>
-                </a:solidFill>
-              </a:rPr>
-              <a:t>real-time data streaming</a:t>
-            </a:r>
-            <a:r>
-              <a:rPr lang="en-US" sz="2200" b="1" dirty="0"/>
-              <a:t> </a:t>
-            </a:r>
-            <a:r>
-              <a:rPr lang="en-US" sz="2200" dirty="0"/>
-              <a:t>and </a:t>
-            </a:r>
-            <a:r>
-              <a:rPr lang="en-US" sz="2200" b="1" dirty="0">
-                <a:solidFill>
-                  <a:srgbClr val="002060"/>
-                </a:solidFill>
-              </a:rPr>
-              <a:t>APIs</a:t>
-            </a:r>
-            <a:r>
-              <a:rPr lang="en-US" sz="2200" dirty="0"/>
-              <a:t> with high traffic.</a:t>
-            </a:r>
-          </a:p>
-          <a:p>
-            <a:pPr marL="0" indent="0">
-              <a:buNone/>
-            </a:pPr>
-            <a:endParaRPr lang="en-US" sz="800" dirty="0"/>
-          </a:p>
-          <a:p>
-            <a:pPr marL="0" indent="0">
-              <a:buNone/>
-            </a:pPr>
-            <a:r>
-              <a:rPr lang="en-US" sz="2400" b="1" dirty="0"/>
-              <a:t>4. Latency in Handling Requests: (</a:t>
-            </a:r>
-            <a:r>
-              <a:rPr lang="en-US" sz="2400" b="1" dirty="0">
-                <a:solidFill>
-                  <a:srgbClr val="C00000"/>
-                </a:solidFill>
-              </a:rPr>
-              <a:t>FIFO</a:t>
-            </a:r>
-            <a:r>
-              <a:rPr lang="en-US" sz="2400" b="1" dirty="0"/>
-              <a:t> Job Scheduling Algorithm)</a:t>
-            </a:r>
-          </a:p>
-          <a:p>
-            <a:pPr marL="0" indent="0">
-              <a:buNone/>
-            </a:pPr>
-            <a:r>
-              <a:rPr lang="en-US" sz="2200" dirty="0"/>
-              <a:t>Due to </a:t>
-            </a:r>
-            <a:r>
-              <a:rPr lang="en-US" sz="2200" b="1" dirty="0">
-                <a:solidFill>
-                  <a:srgbClr val="C00000"/>
-                </a:solidFill>
-              </a:rPr>
-              <a:t>synchronous execution</a:t>
-            </a:r>
-            <a:r>
-              <a:rPr lang="en-US" sz="2200" dirty="0"/>
-              <a:t>, servers can face delays:</a:t>
-            </a:r>
-          </a:p>
-          <a:p>
-            <a:pPr marL="742950" lvl="1" indent="-285750">
-              <a:buFont typeface="Arial" panose="020B0604020202020204" pitchFamily="34" charset="0"/>
-              <a:buChar char="•"/>
-            </a:pPr>
-            <a:r>
-              <a:rPr lang="en-US" sz="2200" dirty="0"/>
-              <a:t>A </a:t>
-            </a:r>
-            <a:r>
-              <a:rPr lang="en-US" sz="2200" b="1" dirty="0">
-                <a:solidFill>
-                  <a:srgbClr val="C00000"/>
-                </a:solidFill>
-              </a:rPr>
-              <a:t>time-consuming</a:t>
-            </a:r>
-            <a:r>
-              <a:rPr lang="en-US" sz="2200" dirty="0"/>
-              <a:t> request can block subsequent ones.</a:t>
-            </a:r>
-          </a:p>
-          <a:p>
-            <a:pPr marL="742950" lvl="1" indent="-285750">
-              <a:buFont typeface="Arial" panose="020B0604020202020204" pitchFamily="34" charset="0"/>
-              <a:buChar char="•"/>
-            </a:pPr>
-            <a:r>
-              <a:rPr lang="en-US" sz="2200" dirty="0"/>
-              <a:t>Requests are often </a:t>
-            </a:r>
-            <a:r>
-              <a:rPr lang="en-US" sz="2200" b="1" dirty="0">
-                <a:solidFill>
-                  <a:srgbClr val="C00000"/>
-                </a:solidFill>
-              </a:rPr>
-              <a:t>queued</a:t>
-            </a:r>
-            <a:r>
-              <a:rPr lang="en-US" sz="2200" dirty="0"/>
-              <a:t> while waiting for resources to become available.</a:t>
-            </a:r>
-          </a:p>
-          <a:p>
-            <a:pPr marL="742950" lvl="1" indent="-285750">
-              <a:buFont typeface="Arial" panose="020B0604020202020204" pitchFamily="34" charset="0"/>
-              <a:buChar char="•"/>
-            </a:pPr>
-            <a:endParaRPr lang="en-US" sz="800" dirty="0"/>
-          </a:p>
-          <a:p>
-            <a:pPr marL="0" indent="0">
-              <a:buNone/>
-            </a:pPr>
-            <a:r>
-              <a:rPr lang="en-US" sz="2400" b="1" dirty="0"/>
-              <a:t>5. Lack of Real-Time Capability:</a:t>
-            </a:r>
-          </a:p>
-          <a:p>
-            <a:pPr marL="0" indent="0">
-              <a:buNone/>
-            </a:pPr>
-            <a:r>
-              <a:rPr lang="en-US" sz="2200" dirty="0"/>
-              <a:t>Traditional web servers were not optimized for </a:t>
-            </a:r>
-            <a:r>
-              <a:rPr lang="en-US" sz="2200" b="1" dirty="0">
-                <a:solidFill>
-                  <a:srgbClr val="C00000"/>
-                </a:solidFill>
-              </a:rPr>
-              <a:t>real-time</a:t>
-            </a:r>
-            <a:r>
-              <a:rPr lang="en-US" sz="2200" dirty="0"/>
-              <a:t>, </a:t>
-            </a:r>
-            <a:r>
-              <a:rPr lang="en-US" sz="2200" b="1" dirty="0">
-                <a:solidFill>
-                  <a:srgbClr val="C00000"/>
-                </a:solidFill>
-              </a:rPr>
-              <a:t>bidirectional</a:t>
-            </a:r>
-            <a:r>
-              <a:rPr lang="en-US" sz="2200" dirty="0"/>
-              <a:t> communication:</a:t>
-            </a:r>
-          </a:p>
-          <a:p>
-            <a:pPr marL="742950" lvl="1" indent="-285750">
-              <a:buFont typeface="Arial" panose="020B0604020202020204" pitchFamily="34" charset="0"/>
-              <a:buChar char="•"/>
-            </a:pPr>
-            <a:r>
-              <a:rPr lang="en-US" sz="2200" b="1" dirty="0" err="1"/>
-              <a:t>WebSockets</a:t>
-            </a:r>
-            <a:r>
-              <a:rPr lang="en-US" sz="2200" dirty="0"/>
-              <a:t> and real-time streaming (e.g., chat apps, live updates) are difficult to implement.</a:t>
-            </a:r>
-          </a:p>
-          <a:p>
-            <a:pPr marL="0" indent="0">
-              <a:buNone/>
-            </a:pPr>
-            <a:endParaRPr lang="en-US" dirty="0"/>
-          </a:p>
-          <a:p>
-            <a:pPr marL="0" indent="0">
-              <a:buNone/>
-            </a:pPr>
-            <a:endParaRPr lang="en-IN" dirty="0"/>
-          </a:p>
-        </p:txBody>
-      </p:sp>
-    </p:spTree>
-    <p:extLst>
-      <p:ext uri="{BB962C8B-B14F-4D97-AF65-F5344CB8AC3E}">
-        <p14:creationId xmlns:p14="http://schemas.microsoft.com/office/powerpoint/2010/main" val="2320259907"/>
-      </p:ext>
-    </p:extLst>
-  </p:cSld>
-  <p:clrMapOvr>
-    <a:masterClrMapping/>
-  </p:clrMapOvr>
-</p:sld>
-</file>
-
-<file path=ppt/slides/slide29.xml><?xml version="1.0" encoding="utf-8"?>
-<p:sld xmlns:a="http://schemas.openxmlformats.org/drawingml/2006/main" xmlns:r="http://schemas.openxmlformats.org/officeDocument/2006/relationships" xmlns:p="http://schemas.openxmlformats.org/presentationml/2006/main">
-  <p:cSld>
-    <p:spTree>
-      <p:nvGrpSpPr>
-        <p:cNvPr id="1" name="">
-          <a:extLst>
-            <a:ext uri="{FF2B5EF4-FFF2-40B4-BE49-F238E27FC236}">
-              <a16:creationId xmlns:a16="http://schemas.microsoft.com/office/drawing/2014/main" id="{609164A9-336F-E382-9ADF-FE4748B42100}"/>
-            </a:ext>
-          </a:extLst>
-        </p:cNvPr>
-        <p:cNvGrpSpPr/>
-        <p:nvPr/>
-      </p:nvGrpSpPr>
-      <p:grpSpPr>
-        <a:xfrm>
-          <a:off x="0" y="0"/>
-          <a:ext cx="0" cy="0"/>
-          <a:chOff x="0" y="0"/>
-          <a:chExt cx="0" cy="0"/>
-        </a:xfrm>
-      </p:grpSpPr>
-      <p:sp>
-        <p:nvSpPr>
-          <p:cNvPr id="3" name="Content Placeholder 2">
-            <a:extLst>
-              <a:ext uri="{FF2B5EF4-FFF2-40B4-BE49-F238E27FC236}">
-                <a16:creationId xmlns:a16="http://schemas.microsoft.com/office/drawing/2014/main" id="{DE41324A-CFC5-6A07-E7C6-A7CB320DA11A}"/>
-              </a:ext>
-            </a:extLst>
-          </p:cNvPr>
-          <p:cNvSpPr>
-            <a:spLocks noGrp="1"/>
-          </p:cNvSpPr>
-          <p:nvPr>
-            <p:ph idx="1"/>
-          </p:nvPr>
-        </p:nvSpPr>
-        <p:spPr>
-          <a:xfrm>
-            <a:off x="777240" y="592183"/>
-            <a:ext cx="10659110" cy="5584780"/>
-          </a:xfrm>
-        </p:spPr>
-        <p:txBody>
-          <a:bodyPr/>
-          <a:lstStyle/>
-          <a:p>
-            <a:pPr marL="0" indent="0">
-              <a:buNone/>
-            </a:pPr>
-            <a:r>
-              <a:rPr lang="en-US" sz="2400" b="1" dirty="0"/>
-              <a:t>6. Complexity in Handling Asynchronous Tasks: </a:t>
-            </a:r>
-          </a:p>
-          <a:p>
-            <a:r>
-              <a:rPr lang="en-US" sz="2400" dirty="0"/>
-              <a:t>Traditional web servers are primarily designed for </a:t>
-            </a:r>
-            <a:r>
-              <a:rPr lang="en-US" sz="2400" b="1" dirty="0">
-                <a:solidFill>
-                  <a:srgbClr val="C00000"/>
-                </a:solidFill>
-              </a:rPr>
-              <a:t>synchronous</a:t>
-            </a:r>
-            <a:r>
-              <a:rPr lang="en-US" sz="2400" dirty="0"/>
-              <a:t> </a:t>
-            </a:r>
-            <a:r>
-              <a:rPr lang="en-US" sz="2400" b="1" dirty="0">
-                <a:solidFill>
-                  <a:srgbClr val="002060"/>
-                </a:solidFill>
-              </a:rPr>
-              <a:t>request-response models.</a:t>
-            </a:r>
-          </a:p>
-          <a:p>
-            <a:r>
-              <a:rPr lang="en-US" sz="2400" dirty="0"/>
-              <a:t>Managing </a:t>
-            </a:r>
-            <a:r>
-              <a:rPr lang="en-US" sz="2400" b="1" dirty="0">
-                <a:solidFill>
-                  <a:srgbClr val="002060"/>
-                </a:solidFill>
-              </a:rPr>
-              <a:t>multiple I/O tasks </a:t>
-            </a:r>
-            <a:r>
-              <a:rPr lang="en-US" sz="2400" b="1" dirty="0">
-                <a:solidFill>
-                  <a:srgbClr val="C00000"/>
-                </a:solidFill>
-              </a:rPr>
-              <a:t>asynchronously</a:t>
-            </a:r>
-            <a:r>
-              <a:rPr lang="en-US" sz="2400" dirty="0"/>
-              <a:t> often requires additional libraries or workarounds.</a:t>
-            </a:r>
-          </a:p>
-          <a:p>
-            <a:pPr marL="0" indent="0">
-              <a:buNone/>
-            </a:pPr>
-            <a:endParaRPr lang="en-IN" dirty="0"/>
-          </a:p>
-          <a:p>
-            <a:pPr marL="0" indent="0">
-              <a:buNone/>
-            </a:pPr>
-            <a:r>
-              <a:rPr lang="en-US" sz="2400" b="1" dirty="0"/>
-              <a:t>7. High Overhead for Small Requests:</a:t>
-            </a:r>
-          </a:p>
-          <a:p>
-            <a:pPr>
-              <a:buFont typeface="Arial" panose="020B0604020202020204" pitchFamily="34" charset="0"/>
-              <a:buChar char="•"/>
-            </a:pPr>
-            <a:r>
-              <a:rPr lang="en-US" sz="2400" dirty="0"/>
-              <a:t>For </a:t>
-            </a:r>
-            <a:r>
-              <a:rPr lang="en-US" sz="2400" b="1" dirty="0">
-                <a:solidFill>
-                  <a:srgbClr val="C00000"/>
-                </a:solidFill>
-              </a:rPr>
-              <a:t>lightweight</a:t>
-            </a:r>
-            <a:r>
-              <a:rPr lang="en-US" sz="2400" dirty="0"/>
-              <a:t> or </a:t>
-            </a:r>
-            <a:r>
-              <a:rPr lang="en-US" sz="2400" b="1" dirty="0">
-                <a:solidFill>
-                  <a:srgbClr val="C00000"/>
-                </a:solidFill>
-              </a:rPr>
-              <a:t>frequent</a:t>
-            </a:r>
-            <a:r>
-              <a:rPr lang="en-US" sz="2400" dirty="0"/>
-              <a:t> </a:t>
-            </a:r>
-            <a:r>
-              <a:rPr lang="en-US" sz="2400" b="1" dirty="0"/>
-              <a:t>requests</a:t>
-            </a:r>
-            <a:r>
-              <a:rPr lang="en-US" sz="2400" dirty="0"/>
-              <a:t> (e.g., APIs or </a:t>
-            </a:r>
-            <a:r>
-              <a:rPr lang="en-US" sz="2400" b="1" dirty="0"/>
-              <a:t>microservices</a:t>
-            </a:r>
-            <a:r>
-              <a:rPr lang="en-US" sz="2400" dirty="0"/>
-              <a:t>), creating and managing threads introduces overhead.</a:t>
-            </a:r>
-          </a:p>
-          <a:p>
-            <a:pPr>
-              <a:buFont typeface="Arial" panose="020B0604020202020204" pitchFamily="34" charset="0"/>
-              <a:buChar char="•"/>
-            </a:pPr>
-            <a:r>
-              <a:rPr lang="en-US" sz="2400" dirty="0"/>
-              <a:t>This makes the server inefficient for use cases requiring </a:t>
-            </a:r>
-            <a:r>
-              <a:rPr lang="en-US" sz="2400" b="1" dirty="0"/>
-              <a:t>high-frequency, low-latency</a:t>
-            </a:r>
-            <a:r>
-              <a:rPr lang="en-US" sz="2400" dirty="0"/>
-              <a:t> responses.</a:t>
-            </a:r>
-          </a:p>
-          <a:p>
-            <a:pPr marL="0" indent="0">
-              <a:buNone/>
-            </a:pPr>
-            <a:endParaRPr lang="en-IN" dirty="0"/>
-          </a:p>
-        </p:txBody>
-      </p:sp>
-    </p:spTree>
-    <p:extLst>
-      <p:ext uri="{BB962C8B-B14F-4D97-AF65-F5344CB8AC3E}">
-        <p14:creationId xmlns:p14="http://schemas.microsoft.com/office/powerpoint/2010/main" val="1543759837"/>
       </p:ext>
     </p:extLst>
   </p:cSld>
@@ -15952,6 +15780,546 @@
 <file path=ppt/slides/slide30.xml><?xml version="1.0" encoding="utf-8"?>
 <p:sld xmlns:a="http://schemas.openxmlformats.org/drawingml/2006/main" xmlns:r="http://schemas.openxmlformats.org/officeDocument/2006/relationships" xmlns:p="http://schemas.openxmlformats.org/presentationml/2006/main">
   <p:cSld>
+    <p:spTree>
+      <p:nvGrpSpPr>
+        <p:cNvPr id="1" name="">
+          <a:extLst>
+            <a:ext uri="{FF2B5EF4-FFF2-40B4-BE49-F238E27FC236}">
+              <a16:creationId xmlns:a16="http://schemas.microsoft.com/office/drawing/2014/main" id="{11183051-0FC8-FC88-9D9C-1236A5D4D11B}"/>
+            </a:ext>
+          </a:extLst>
+        </p:cNvPr>
+        <p:cNvGrpSpPr/>
+        <p:nvPr/>
+      </p:nvGrpSpPr>
+      <p:grpSpPr>
+        <a:xfrm>
+          <a:off x="0" y="0"/>
+          <a:ext cx="0" cy="0"/>
+          <a:chOff x="0" y="0"/>
+          <a:chExt cx="0" cy="0"/>
+        </a:xfrm>
+      </p:grpSpPr>
+      <p:sp>
+        <p:nvSpPr>
+          <p:cNvPr id="3" name="Content Placeholder 2">
+            <a:extLst>
+              <a:ext uri="{FF2B5EF4-FFF2-40B4-BE49-F238E27FC236}">
+                <a16:creationId xmlns:a16="http://schemas.microsoft.com/office/drawing/2014/main" id="{FABA97B3-BA14-849C-133A-57BA605B9E31}"/>
+              </a:ext>
+            </a:extLst>
+          </p:cNvPr>
+          <p:cNvSpPr>
+            <a:spLocks noGrp="1"/>
+          </p:cNvSpPr>
+          <p:nvPr>
+            <p:ph idx="1"/>
+          </p:nvPr>
+        </p:nvSpPr>
+        <p:spPr>
+          <a:xfrm>
+            <a:off x="777240" y="592183"/>
+            <a:ext cx="10659110" cy="5584780"/>
+          </a:xfrm>
+        </p:spPr>
+        <p:txBody>
+          <a:bodyPr>
+            <a:normAutofit/>
+          </a:bodyPr>
+          <a:lstStyle/>
+          <a:p>
+            <a:pPr marL="0" indent="0">
+              <a:buNone/>
+            </a:pPr>
+            <a:r>
+              <a:rPr lang="en-US" sz="2400" b="1" dirty="0"/>
+              <a:t>3. Resource-Intensive:</a:t>
+            </a:r>
+          </a:p>
+          <a:p>
+            <a:pPr marL="0" indent="0">
+              <a:buNone/>
+            </a:pPr>
+            <a:r>
+              <a:rPr lang="en-US" sz="2200" dirty="0"/>
+              <a:t>Traditional web servers tend to </a:t>
+            </a:r>
+            <a:r>
+              <a:rPr lang="en-US" sz="2200" b="1" dirty="0">
+                <a:solidFill>
+                  <a:srgbClr val="C00000"/>
+                </a:solidFill>
+              </a:rPr>
+              <a:t>consume significant memory</a:t>
+            </a:r>
+            <a:r>
+              <a:rPr lang="en-US" sz="2200" dirty="0"/>
+              <a:t> and </a:t>
+            </a:r>
+            <a:r>
+              <a:rPr lang="en-US" sz="2200" b="1" dirty="0">
+                <a:solidFill>
+                  <a:srgbClr val="C00000"/>
+                </a:solidFill>
+              </a:rPr>
+              <a:t>CPU</a:t>
+            </a:r>
+            <a:r>
+              <a:rPr lang="en-US" sz="2200" dirty="0"/>
+              <a:t> resources due to their </a:t>
+            </a:r>
+            <a:r>
+              <a:rPr lang="en-US" sz="2200" b="1" dirty="0"/>
+              <a:t>multi-threaded</a:t>
+            </a:r>
+            <a:r>
+              <a:rPr lang="en-US" sz="2200" dirty="0"/>
+              <a:t> or </a:t>
+            </a:r>
+            <a:r>
+              <a:rPr lang="en-US" sz="2200" b="1" dirty="0"/>
+              <a:t>multi-process</a:t>
+            </a:r>
+            <a:r>
+              <a:rPr lang="en-US" sz="2200" dirty="0"/>
+              <a:t> model.</a:t>
+            </a:r>
+          </a:p>
+          <a:p>
+            <a:pPr marL="0" indent="0">
+              <a:buNone/>
+            </a:pPr>
+            <a:r>
+              <a:rPr lang="en-US" sz="2200" dirty="0"/>
+              <a:t>These servers struggle with modern web use cases like </a:t>
+            </a:r>
+            <a:r>
+              <a:rPr lang="en-US" sz="2200" b="1" dirty="0">
+                <a:solidFill>
+                  <a:srgbClr val="002060"/>
+                </a:solidFill>
+              </a:rPr>
+              <a:t>real-time data streaming</a:t>
+            </a:r>
+            <a:r>
+              <a:rPr lang="en-US" sz="2200" b="1" dirty="0"/>
+              <a:t> </a:t>
+            </a:r>
+            <a:r>
+              <a:rPr lang="en-US" sz="2200" dirty="0"/>
+              <a:t>and </a:t>
+            </a:r>
+            <a:r>
+              <a:rPr lang="en-US" sz="2200" b="1" dirty="0">
+                <a:solidFill>
+                  <a:srgbClr val="002060"/>
+                </a:solidFill>
+              </a:rPr>
+              <a:t>APIs</a:t>
+            </a:r>
+            <a:r>
+              <a:rPr lang="en-US" sz="2200" dirty="0"/>
+              <a:t> with high traffic.</a:t>
+            </a:r>
+          </a:p>
+          <a:p>
+            <a:pPr marL="0" indent="0">
+              <a:buNone/>
+            </a:pPr>
+            <a:endParaRPr lang="en-US" sz="800" dirty="0"/>
+          </a:p>
+          <a:p>
+            <a:pPr marL="0" indent="0">
+              <a:buNone/>
+            </a:pPr>
+            <a:r>
+              <a:rPr lang="en-US" sz="2400" b="1" dirty="0"/>
+              <a:t>4. Latency in Handling Requests: (</a:t>
+            </a:r>
+            <a:r>
+              <a:rPr lang="en-US" sz="2400" b="1" dirty="0">
+                <a:solidFill>
+                  <a:srgbClr val="C00000"/>
+                </a:solidFill>
+              </a:rPr>
+              <a:t>FIFO</a:t>
+            </a:r>
+            <a:r>
+              <a:rPr lang="en-US" sz="2400" b="1" dirty="0"/>
+              <a:t> Job Scheduling Algorithm)</a:t>
+            </a:r>
+          </a:p>
+          <a:p>
+            <a:pPr marL="0" indent="0">
+              <a:buNone/>
+            </a:pPr>
+            <a:r>
+              <a:rPr lang="en-US" sz="2200" dirty="0"/>
+              <a:t>Due to </a:t>
+            </a:r>
+            <a:r>
+              <a:rPr lang="en-US" sz="2200" b="1" dirty="0">
+                <a:solidFill>
+                  <a:srgbClr val="C00000"/>
+                </a:solidFill>
+              </a:rPr>
+              <a:t>synchronous execution</a:t>
+            </a:r>
+            <a:r>
+              <a:rPr lang="en-US" sz="2200" dirty="0"/>
+              <a:t>, servers can face delays:</a:t>
+            </a:r>
+          </a:p>
+          <a:p>
+            <a:pPr marL="742950" lvl="1" indent="-285750">
+              <a:buFont typeface="Arial" panose="020B0604020202020204" pitchFamily="34" charset="0"/>
+              <a:buChar char="•"/>
+            </a:pPr>
+            <a:r>
+              <a:rPr lang="en-US" sz="2200" dirty="0"/>
+              <a:t>A </a:t>
+            </a:r>
+            <a:r>
+              <a:rPr lang="en-US" sz="2200" b="1" dirty="0">
+                <a:solidFill>
+                  <a:srgbClr val="C00000"/>
+                </a:solidFill>
+              </a:rPr>
+              <a:t>time-consuming</a:t>
+            </a:r>
+            <a:r>
+              <a:rPr lang="en-US" sz="2200" dirty="0"/>
+              <a:t> request can block subsequent ones.</a:t>
+            </a:r>
+          </a:p>
+          <a:p>
+            <a:pPr marL="742950" lvl="1" indent="-285750">
+              <a:buFont typeface="Arial" panose="020B0604020202020204" pitchFamily="34" charset="0"/>
+              <a:buChar char="•"/>
+            </a:pPr>
+            <a:r>
+              <a:rPr lang="en-US" sz="2200" dirty="0"/>
+              <a:t>Requests are often </a:t>
+            </a:r>
+            <a:r>
+              <a:rPr lang="en-US" sz="2200" b="1" dirty="0">
+                <a:solidFill>
+                  <a:srgbClr val="C00000"/>
+                </a:solidFill>
+              </a:rPr>
+              <a:t>queued</a:t>
+            </a:r>
+            <a:r>
+              <a:rPr lang="en-US" sz="2200" dirty="0"/>
+              <a:t> while waiting for resources to become available.</a:t>
+            </a:r>
+          </a:p>
+          <a:p>
+            <a:pPr marL="742950" lvl="1" indent="-285750">
+              <a:buFont typeface="Arial" panose="020B0604020202020204" pitchFamily="34" charset="0"/>
+              <a:buChar char="•"/>
+            </a:pPr>
+            <a:endParaRPr lang="en-US" sz="800" dirty="0"/>
+          </a:p>
+          <a:p>
+            <a:pPr marL="0" indent="0">
+              <a:buNone/>
+            </a:pPr>
+            <a:r>
+              <a:rPr lang="en-US" sz="2400" b="1" dirty="0"/>
+              <a:t>5. Lack of Real-Time Capability:</a:t>
+            </a:r>
+          </a:p>
+          <a:p>
+            <a:pPr marL="0" indent="0">
+              <a:buNone/>
+            </a:pPr>
+            <a:r>
+              <a:rPr lang="en-US" sz="2200" dirty="0"/>
+              <a:t>Traditional web servers were not optimized for </a:t>
+            </a:r>
+            <a:r>
+              <a:rPr lang="en-US" sz="2200" b="1" dirty="0">
+                <a:solidFill>
+                  <a:srgbClr val="C00000"/>
+                </a:solidFill>
+              </a:rPr>
+              <a:t>real-time</a:t>
+            </a:r>
+            <a:r>
+              <a:rPr lang="en-US" sz="2200" dirty="0"/>
+              <a:t>, </a:t>
+            </a:r>
+            <a:r>
+              <a:rPr lang="en-US" sz="2200" b="1" dirty="0">
+                <a:solidFill>
+                  <a:srgbClr val="C00000"/>
+                </a:solidFill>
+              </a:rPr>
+              <a:t>bidirectional</a:t>
+            </a:r>
+            <a:r>
+              <a:rPr lang="en-US" sz="2200" dirty="0"/>
+              <a:t> communication:</a:t>
+            </a:r>
+          </a:p>
+          <a:p>
+            <a:pPr marL="742950" lvl="1" indent="-285750">
+              <a:buFont typeface="Arial" panose="020B0604020202020204" pitchFamily="34" charset="0"/>
+              <a:buChar char="•"/>
+            </a:pPr>
+            <a:r>
+              <a:rPr lang="en-US" sz="2200" b="1" dirty="0" err="1"/>
+              <a:t>WebSockets</a:t>
+            </a:r>
+            <a:r>
+              <a:rPr lang="en-US" sz="2200" dirty="0"/>
+              <a:t> and real-time streaming (e.g., chat apps, live updates) are difficult to implement.</a:t>
+            </a:r>
+          </a:p>
+          <a:p>
+            <a:pPr marL="0" indent="0">
+              <a:buNone/>
+            </a:pPr>
+            <a:endParaRPr lang="en-US" dirty="0"/>
+          </a:p>
+          <a:p>
+            <a:pPr marL="0" indent="0">
+              <a:buNone/>
+            </a:pPr>
+            <a:endParaRPr lang="en-IN" dirty="0"/>
+          </a:p>
+        </p:txBody>
+      </p:sp>
+    </p:spTree>
+    <p:extLst>
+      <p:ext uri="{BB962C8B-B14F-4D97-AF65-F5344CB8AC3E}">
+        <p14:creationId xmlns:p14="http://schemas.microsoft.com/office/powerpoint/2010/main" val="2320259907"/>
+      </p:ext>
+    </p:extLst>
+  </p:cSld>
+  <p:clrMapOvr>
+    <a:masterClrMapping/>
+  </p:clrMapOvr>
+</p:sld>
+</file>
+
+<file path=ppt/slides/slide31.xml><?xml version="1.0" encoding="utf-8"?>
+<p:sld xmlns:a="http://schemas.openxmlformats.org/drawingml/2006/main" xmlns:r="http://schemas.openxmlformats.org/officeDocument/2006/relationships" xmlns:p="http://schemas.openxmlformats.org/presentationml/2006/main">
+  <p:cSld>
+    <p:spTree>
+      <p:nvGrpSpPr>
+        <p:cNvPr id="1" name="">
+          <a:extLst>
+            <a:ext uri="{FF2B5EF4-FFF2-40B4-BE49-F238E27FC236}">
+              <a16:creationId xmlns:a16="http://schemas.microsoft.com/office/drawing/2014/main" id="{609164A9-336F-E382-9ADF-FE4748B42100}"/>
+            </a:ext>
+          </a:extLst>
+        </p:cNvPr>
+        <p:cNvGrpSpPr/>
+        <p:nvPr/>
+      </p:nvGrpSpPr>
+      <p:grpSpPr>
+        <a:xfrm>
+          <a:off x="0" y="0"/>
+          <a:ext cx="0" cy="0"/>
+          <a:chOff x="0" y="0"/>
+          <a:chExt cx="0" cy="0"/>
+        </a:xfrm>
+      </p:grpSpPr>
+      <p:sp>
+        <p:nvSpPr>
+          <p:cNvPr id="3" name="Content Placeholder 2">
+            <a:extLst>
+              <a:ext uri="{FF2B5EF4-FFF2-40B4-BE49-F238E27FC236}">
+                <a16:creationId xmlns:a16="http://schemas.microsoft.com/office/drawing/2014/main" id="{DE41324A-CFC5-6A07-E7C6-A7CB320DA11A}"/>
+              </a:ext>
+            </a:extLst>
+          </p:cNvPr>
+          <p:cNvSpPr>
+            <a:spLocks noGrp="1"/>
+          </p:cNvSpPr>
+          <p:nvPr>
+            <p:ph idx="1"/>
+          </p:nvPr>
+        </p:nvSpPr>
+        <p:spPr>
+          <a:xfrm>
+            <a:off x="777240" y="592183"/>
+            <a:ext cx="10659110" cy="5584780"/>
+          </a:xfrm>
+        </p:spPr>
+        <p:txBody>
+          <a:bodyPr/>
+          <a:lstStyle/>
+          <a:p>
+            <a:pPr marL="0" indent="0">
+              <a:buNone/>
+            </a:pPr>
+            <a:r>
+              <a:rPr lang="en-US" sz="2400" b="1" dirty="0"/>
+              <a:t>6. Complexity in Handling Asynchronous Tasks: </a:t>
+            </a:r>
+          </a:p>
+          <a:p>
+            <a:r>
+              <a:rPr lang="en-US" sz="2400" dirty="0"/>
+              <a:t>Traditional web servers are primarily designed for </a:t>
+            </a:r>
+            <a:r>
+              <a:rPr lang="en-US" sz="2400" b="1" dirty="0">
+                <a:solidFill>
+                  <a:srgbClr val="C00000"/>
+                </a:solidFill>
+              </a:rPr>
+              <a:t>synchronous</a:t>
+            </a:r>
+            <a:r>
+              <a:rPr lang="en-US" sz="2400" dirty="0"/>
+              <a:t> </a:t>
+            </a:r>
+            <a:r>
+              <a:rPr lang="en-US" sz="2400" b="1" dirty="0">
+                <a:solidFill>
+                  <a:srgbClr val="002060"/>
+                </a:solidFill>
+              </a:rPr>
+              <a:t>request-response models.</a:t>
+            </a:r>
+          </a:p>
+          <a:p>
+            <a:r>
+              <a:rPr lang="en-US" sz="2400" dirty="0"/>
+              <a:t>Managing </a:t>
+            </a:r>
+            <a:r>
+              <a:rPr lang="en-US" sz="2400" b="1" dirty="0">
+                <a:solidFill>
+                  <a:srgbClr val="002060"/>
+                </a:solidFill>
+              </a:rPr>
+              <a:t>multiple I/O tasks </a:t>
+            </a:r>
+            <a:r>
+              <a:rPr lang="en-US" sz="2400" b="1" dirty="0">
+                <a:solidFill>
+                  <a:srgbClr val="C00000"/>
+                </a:solidFill>
+              </a:rPr>
+              <a:t>asynchronously</a:t>
+            </a:r>
+            <a:r>
+              <a:rPr lang="en-US" sz="2400" dirty="0"/>
+              <a:t> often requires additional libraries or workarounds.</a:t>
+            </a:r>
+          </a:p>
+          <a:p>
+            <a:pPr marL="0" indent="0">
+              <a:buNone/>
+            </a:pPr>
+            <a:endParaRPr lang="en-IN" dirty="0"/>
+          </a:p>
+          <a:p>
+            <a:pPr marL="0" indent="0">
+              <a:buNone/>
+            </a:pPr>
+            <a:r>
+              <a:rPr lang="en-US" sz="2400" b="1" dirty="0"/>
+              <a:t>7. High Overhead for Small Requests:</a:t>
+            </a:r>
+          </a:p>
+          <a:p>
+            <a:pPr>
+              <a:buFont typeface="Arial" panose="020B0604020202020204" pitchFamily="34" charset="0"/>
+              <a:buChar char="•"/>
+            </a:pPr>
+            <a:r>
+              <a:rPr lang="en-US" sz="2400" dirty="0"/>
+              <a:t>For </a:t>
+            </a:r>
+            <a:r>
+              <a:rPr lang="en-US" sz="2400" b="1" dirty="0">
+                <a:solidFill>
+                  <a:srgbClr val="C00000"/>
+                </a:solidFill>
+              </a:rPr>
+              <a:t>lightweight</a:t>
+            </a:r>
+            <a:r>
+              <a:rPr lang="en-US" sz="2400" dirty="0"/>
+              <a:t> or </a:t>
+            </a:r>
+            <a:r>
+              <a:rPr lang="en-US" sz="2400" b="1" dirty="0">
+                <a:solidFill>
+                  <a:srgbClr val="C00000"/>
+                </a:solidFill>
+              </a:rPr>
+              <a:t>frequent</a:t>
+            </a:r>
+            <a:r>
+              <a:rPr lang="en-US" sz="2400" dirty="0"/>
+              <a:t> </a:t>
+            </a:r>
+            <a:r>
+              <a:rPr lang="en-US" sz="2400" b="1" dirty="0"/>
+              <a:t>requests</a:t>
+            </a:r>
+            <a:r>
+              <a:rPr lang="en-US" sz="2400" dirty="0"/>
+              <a:t> (e.g., APIs or </a:t>
+            </a:r>
+            <a:r>
+              <a:rPr lang="en-US" sz="2400" b="1" dirty="0"/>
+              <a:t>microservices</a:t>
+            </a:r>
+            <a:r>
+              <a:rPr lang="en-US" sz="2400" dirty="0"/>
+              <a:t>), creating and managing threads introduces overhead.</a:t>
+            </a:r>
+          </a:p>
+          <a:p>
+            <a:pPr>
+              <a:buFont typeface="Arial" panose="020B0604020202020204" pitchFamily="34" charset="0"/>
+              <a:buChar char="•"/>
+            </a:pPr>
+            <a:r>
+              <a:rPr lang="en-US" sz="2400" dirty="0"/>
+              <a:t>This makes the server inefficient for use cases requiring </a:t>
+            </a:r>
+            <a:r>
+              <a:rPr lang="en-US" sz="2400" b="1" dirty="0"/>
+              <a:t>high-frequency, low-latency</a:t>
+            </a:r>
+            <a:r>
+              <a:rPr lang="en-US" sz="2400" dirty="0"/>
+              <a:t> responses.</a:t>
+            </a:r>
+          </a:p>
+          <a:p>
+            <a:pPr marL="0" indent="0">
+              <a:buNone/>
+            </a:pPr>
+            <a:endParaRPr lang="en-IN" dirty="0"/>
+          </a:p>
+        </p:txBody>
+      </p:sp>
+    </p:spTree>
+    <p:extLst>
+      <p:ext uri="{BB962C8B-B14F-4D97-AF65-F5344CB8AC3E}">
+        <p14:creationId xmlns:p14="http://schemas.microsoft.com/office/powerpoint/2010/main" val="1543759837"/>
+      </p:ext>
+    </p:extLst>
+  </p:cSld>
+  <p:clrMapOvr>
+    <a:masterClrMapping/>
+  </p:clrMapOvr>
+</p:sld>
+</file>
+
+<file path=ppt/slides/slide32.xml><?xml version="1.0" encoding="utf-8"?>
+<p:sld xmlns:a="http://schemas.openxmlformats.org/drawingml/2006/main" xmlns:r="http://schemas.openxmlformats.org/officeDocument/2006/relationships" xmlns:p="http://schemas.openxmlformats.org/presentationml/2006/main">
+  <p:cSld>
     <p:bg>
       <p:bgPr>
         <a:solidFill>
@@ -17397,7 +17765,7 @@
 </p:sld>
 </file>
 
-<file path=ppt/slides/slide31.xml><?xml version="1.0" encoding="utf-8"?>
+<file path=ppt/slides/slide33.xml><?xml version="1.0" encoding="utf-8"?>
 <p:sld xmlns:a="http://schemas.openxmlformats.org/drawingml/2006/main" xmlns:r="http://schemas.openxmlformats.org/officeDocument/2006/relationships" xmlns:p="http://schemas.openxmlformats.org/presentationml/2006/main">
   <p:cSld>
     <p:spTree>
@@ -17565,7 +17933,7 @@
 </p:sld>
 </file>
 
-<file path=ppt/slides/slide32.xml><?xml version="1.0" encoding="utf-8"?>
+<file path=ppt/slides/slide34.xml><?xml version="1.0" encoding="utf-8"?>
 <p:sld xmlns:a="http://schemas.openxmlformats.org/drawingml/2006/main" xmlns:r="http://schemas.openxmlformats.org/officeDocument/2006/relationships" xmlns:p="http://schemas.openxmlformats.org/presentationml/2006/main">
   <p:cSld>
     <p:spTree>
@@ -17718,7 +18086,7 @@
 </p:sld>
 </file>
 
-<file path=ppt/slides/slide33.xml><?xml version="1.0" encoding="utf-8"?>
+<file path=ppt/slides/slide35.xml><?xml version="1.0" encoding="utf-8"?>
 <p:sld xmlns:a="http://schemas.openxmlformats.org/drawingml/2006/main" xmlns:r="http://schemas.openxmlformats.org/officeDocument/2006/relationships" xmlns:p="http://schemas.openxmlformats.org/presentationml/2006/main">
   <p:cSld>
     <p:spTree>
@@ -17918,7 +18286,7 @@
 </p:sld>
 </file>
 
-<file path=ppt/slides/slide34.xml><?xml version="1.0" encoding="utf-8"?>
+<file path=ppt/slides/slide36.xml><?xml version="1.0" encoding="utf-8"?>
 <p:sld xmlns:a="http://schemas.openxmlformats.org/drawingml/2006/main" xmlns:r="http://schemas.openxmlformats.org/officeDocument/2006/relationships" xmlns:p="http://schemas.openxmlformats.org/presentationml/2006/main">
   <p:cSld>
     <p:spTree>
@@ -18048,7 +18416,7 @@
 </p:sld>
 </file>
 
-<file path=ppt/slides/slide35.xml><?xml version="1.0" encoding="utf-8"?>
+<file path=ppt/slides/slide37.xml><?xml version="1.0" encoding="utf-8"?>
 <p:sld xmlns:a="http://schemas.openxmlformats.org/drawingml/2006/main" xmlns:r="http://schemas.openxmlformats.org/officeDocument/2006/relationships" xmlns:p="http://schemas.openxmlformats.org/presentationml/2006/main">
   <p:cSld>
     <p:spTree>
@@ -18237,7 +18605,7 @@
 </p:sld>
 </file>
 
-<file path=ppt/slides/slide36.xml><?xml version="1.0" encoding="utf-8"?>
+<file path=ppt/slides/slide38.xml><?xml version="1.0" encoding="utf-8"?>
 <p:sld xmlns:a="http://schemas.openxmlformats.org/drawingml/2006/main" xmlns:r="http://schemas.openxmlformats.org/officeDocument/2006/relationships" xmlns:p="http://schemas.openxmlformats.org/presentationml/2006/main">
   <p:cSld>
     <p:spTree>
@@ -18462,7 +18830,7 @@
 </p:sld>
 </file>
 
-<file path=ppt/slides/slide37.xml><?xml version="1.0" encoding="utf-8"?>
+<file path=ppt/slides/slide39.xml><?xml version="1.0" encoding="utf-8"?>
 <p:sld xmlns:a="http://schemas.openxmlformats.org/drawingml/2006/main" xmlns:r="http://schemas.openxmlformats.org/officeDocument/2006/relationships" xmlns:p="http://schemas.openxmlformats.org/presentationml/2006/main">
   <p:cSld>
     <p:spTree>
@@ -18611,7 +18979,125 @@
 </p:sld>
 </file>
 
-<file path=ppt/slides/slide38.xml><?xml version="1.0" encoding="utf-8"?>
+<file path=ppt/slides/slide4.xml><?xml version="1.0" encoding="utf-8"?>
+<p:sld xmlns:a="http://schemas.openxmlformats.org/drawingml/2006/main" xmlns:r="http://schemas.openxmlformats.org/officeDocument/2006/relationships" xmlns:p="http://schemas.openxmlformats.org/presentationml/2006/main">
+  <p:cSld>
+    <p:spTree>
+      <p:nvGrpSpPr>
+        <p:cNvPr id="1" name="">
+          <a:extLst>
+            <a:ext uri="{FF2B5EF4-FFF2-40B4-BE49-F238E27FC236}">
+              <a16:creationId xmlns:a16="http://schemas.microsoft.com/office/drawing/2014/main" id="{093E6685-7B39-68E0-1A2B-EA3078428622}"/>
+            </a:ext>
+          </a:extLst>
+        </p:cNvPr>
+        <p:cNvGrpSpPr/>
+        <p:nvPr/>
+      </p:nvGrpSpPr>
+      <p:grpSpPr>
+        <a:xfrm>
+          <a:off x="0" y="0"/>
+          <a:ext cx="0" cy="0"/>
+          <a:chOff x="0" y="0"/>
+          <a:chExt cx="0" cy="0"/>
+        </a:xfrm>
+      </p:grpSpPr>
+      <p:sp>
+        <p:nvSpPr>
+          <p:cNvPr id="3" name="Content Placeholder 2">
+            <a:extLst>
+              <a:ext uri="{FF2B5EF4-FFF2-40B4-BE49-F238E27FC236}">
+                <a16:creationId xmlns:a16="http://schemas.microsoft.com/office/drawing/2014/main" id="{F332C468-3BED-B514-78DD-3F86B767E8A5}"/>
+              </a:ext>
+            </a:extLst>
+          </p:cNvPr>
+          <p:cNvSpPr>
+            <a:spLocks noGrp="1"/>
+          </p:cNvSpPr>
+          <p:nvPr>
+            <p:ph idx="1"/>
+          </p:nvPr>
+        </p:nvSpPr>
+        <p:spPr>
+          <a:xfrm>
+            <a:off x="777240" y="740229"/>
+            <a:ext cx="10659110" cy="5436734"/>
+          </a:xfrm>
+        </p:spPr>
+        <p:txBody>
+          <a:bodyPr>
+            <a:normAutofit/>
+          </a:bodyPr>
+          <a:lstStyle/>
+          <a:p>
+            <a:pPr marL="0" indent="0">
+              <a:buNone/>
+            </a:pPr>
+            <a:endParaRPr lang="en-IN" sz="2400" dirty="0"/>
+          </a:p>
+        </p:txBody>
+      </p:sp>
+      <p:pic>
+        <p:nvPicPr>
+          <p:cNvPr id="7172" name="Picture 4" descr="Qu'est ce qu'une API ? Les 3 meilleurs articles sur les API - IT SOCIAL">
+            <a:extLst>
+              <a:ext uri="{FF2B5EF4-FFF2-40B4-BE49-F238E27FC236}">
+                <a16:creationId xmlns:a16="http://schemas.microsoft.com/office/drawing/2014/main" id="{4532E074-1A2E-1EEF-21E6-E32939FC4803}"/>
+              </a:ext>
+            </a:extLst>
+          </p:cNvPr>
+          <p:cNvPicPr>
+            <a:picLocks noChangeAspect="1" noChangeArrowheads="1"/>
+          </p:cNvPicPr>
+          <p:nvPr/>
+        </p:nvPicPr>
+        <p:blipFill>
+          <a:blip r:embed="rId2">
+            <a:extLst>
+              <a:ext uri="{28A0092B-C50C-407E-A947-70E740481C1C}">
+                <a14:useLocalDpi xmlns:a14="http://schemas.microsoft.com/office/drawing/2010/main" val="0"/>
+              </a:ext>
+            </a:extLst>
+          </a:blip>
+          <a:srcRect/>
+          <a:stretch>
+            <a:fillRect/>
+          </a:stretch>
+        </p:blipFill>
+        <p:spPr bwMode="auto">
+          <a:xfrm>
+            <a:off x="0" y="-261258"/>
+            <a:ext cx="12192000" cy="7233557"/>
+          </a:xfrm>
+          <a:prstGeom prst="rect">
+            <a:avLst/>
+          </a:prstGeom>
+          <a:noFill/>
+          <a:extLst>
+            <a:ext uri="{909E8E84-426E-40DD-AFC4-6F175D3DCCD1}">
+              <a14:hiddenFill xmlns:a14="http://schemas.microsoft.com/office/drawing/2010/main">
+                <a:solidFill>
+                  <a:srgbClr val="FFFFFF"/>
+                </a:solidFill>
+              </a14:hiddenFill>
+            </a:ext>
+          </a:extLst>
+        </p:spPr>
+      </p:pic>
+    </p:spTree>
+    <p:extLst>
+      <p:ext uri="{BB962C8B-B14F-4D97-AF65-F5344CB8AC3E}">
+        <p14:creationId xmlns:p14="http://schemas.microsoft.com/office/powerpoint/2010/main" val="1246429136"/>
+      </p:ext>
+    </p:extLst>
+  </p:cSld>
+  <p:clrMapOvr>
+    <a:masterClrMapping/>
+  </p:clrMapOvr>
+</p:sld>
+</file>
+
+<file path=ppt/slides/slide40.xml><?xml version="1.0" encoding="utf-8"?>
 <p:sld xmlns:a="http://schemas.openxmlformats.org/drawingml/2006/main" xmlns:r="http://schemas.openxmlformats.org/officeDocument/2006/relationships" xmlns:p="http://schemas.openxmlformats.org/presentationml/2006/main">
   <p:cSld>
     <p:spTree>
@@ -19357,7 +19843,7 @@
 </p:sld>
 </file>
 
-<file path=ppt/slides/slide39.xml><?xml version="1.0" encoding="utf-8"?>
+<file path=ppt/slides/slide41.xml><?xml version="1.0" encoding="utf-8"?>
 <p:sld xmlns:a="http://schemas.openxmlformats.org/drawingml/2006/main" xmlns:r="http://schemas.openxmlformats.org/officeDocument/2006/relationships" xmlns:p="http://schemas.openxmlformats.org/presentationml/2006/main">
   <p:cSld>
     <p:spTree>
@@ -19537,125 +20023,7 @@
 </p:sld>
 </file>
 
-<file path=ppt/slides/slide4.xml><?xml version="1.0" encoding="utf-8"?>
-<p:sld xmlns:a="http://schemas.openxmlformats.org/drawingml/2006/main" xmlns:r="http://schemas.openxmlformats.org/officeDocument/2006/relationships" xmlns:p="http://schemas.openxmlformats.org/presentationml/2006/main">
-  <p:cSld>
-    <p:spTree>
-      <p:nvGrpSpPr>
-        <p:cNvPr id="1" name="">
-          <a:extLst>
-            <a:ext uri="{FF2B5EF4-FFF2-40B4-BE49-F238E27FC236}">
-              <a16:creationId xmlns:a16="http://schemas.microsoft.com/office/drawing/2014/main" id="{093E6685-7B39-68E0-1A2B-EA3078428622}"/>
-            </a:ext>
-          </a:extLst>
-        </p:cNvPr>
-        <p:cNvGrpSpPr/>
-        <p:nvPr/>
-      </p:nvGrpSpPr>
-      <p:grpSpPr>
-        <a:xfrm>
-          <a:off x="0" y="0"/>
-          <a:ext cx="0" cy="0"/>
-          <a:chOff x="0" y="0"/>
-          <a:chExt cx="0" cy="0"/>
-        </a:xfrm>
-      </p:grpSpPr>
-      <p:sp>
-        <p:nvSpPr>
-          <p:cNvPr id="3" name="Content Placeholder 2">
-            <a:extLst>
-              <a:ext uri="{FF2B5EF4-FFF2-40B4-BE49-F238E27FC236}">
-                <a16:creationId xmlns:a16="http://schemas.microsoft.com/office/drawing/2014/main" id="{F332C468-3BED-B514-78DD-3F86B767E8A5}"/>
-              </a:ext>
-            </a:extLst>
-          </p:cNvPr>
-          <p:cNvSpPr>
-            <a:spLocks noGrp="1"/>
-          </p:cNvSpPr>
-          <p:nvPr>
-            <p:ph idx="1"/>
-          </p:nvPr>
-        </p:nvSpPr>
-        <p:spPr>
-          <a:xfrm>
-            <a:off x="777240" y="740229"/>
-            <a:ext cx="10659110" cy="5436734"/>
-          </a:xfrm>
-        </p:spPr>
-        <p:txBody>
-          <a:bodyPr>
-            <a:normAutofit/>
-          </a:bodyPr>
-          <a:lstStyle/>
-          <a:p>
-            <a:pPr marL="0" indent="0">
-              <a:buNone/>
-            </a:pPr>
-            <a:endParaRPr lang="en-IN" sz="2400" dirty="0"/>
-          </a:p>
-        </p:txBody>
-      </p:sp>
-      <p:pic>
-        <p:nvPicPr>
-          <p:cNvPr id="7172" name="Picture 4" descr="Qu'est ce qu'une API ? Les 3 meilleurs articles sur les API - IT SOCIAL">
-            <a:extLst>
-              <a:ext uri="{FF2B5EF4-FFF2-40B4-BE49-F238E27FC236}">
-                <a16:creationId xmlns:a16="http://schemas.microsoft.com/office/drawing/2014/main" id="{4532E074-1A2E-1EEF-21E6-E32939FC4803}"/>
-              </a:ext>
-            </a:extLst>
-          </p:cNvPr>
-          <p:cNvPicPr>
-            <a:picLocks noChangeAspect="1" noChangeArrowheads="1"/>
-          </p:cNvPicPr>
-          <p:nvPr/>
-        </p:nvPicPr>
-        <p:blipFill>
-          <a:blip r:embed="rId2">
-            <a:extLst>
-              <a:ext uri="{28A0092B-C50C-407E-A947-70E740481C1C}">
-                <a14:useLocalDpi xmlns:a14="http://schemas.microsoft.com/office/drawing/2010/main" val="0"/>
-              </a:ext>
-            </a:extLst>
-          </a:blip>
-          <a:srcRect/>
-          <a:stretch>
-            <a:fillRect/>
-          </a:stretch>
-        </p:blipFill>
-        <p:spPr bwMode="auto">
-          <a:xfrm>
-            <a:off x="0" y="-261258"/>
-            <a:ext cx="12192000" cy="7233557"/>
-          </a:xfrm>
-          <a:prstGeom prst="rect">
-            <a:avLst/>
-          </a:prstGeom>
-          <a:noFill/>
-          <a:extLst>
-            <a:ext uri="{909E8E84-426E-40DD-AFC4-6F175D3DCCD1}">
-              <a14:hiddenFill xmlns:a14="http://schemas.microsoft.com/office/drawing/2010/main">
-                <a:solidFill>
-                  <a:srgbClr val="FFFFFF"/>
-                </a:solidFill>
-              </a14:hiddenFill>
-            </a:ext>
-          </a:extLst>
-        </p:spPr>
-      </p:pic>
-    </p:spTree>
-    <p:extLst>
-      <p:ext uri="{BB962C8B-B14F-4D97-AF65-F5344CB8AC3E}">
-        <p14:creationId xmlns:p14="http://schemas.microsoft.com/office/powerpoint/2010/main" val="1246429136"/>
-      </p:ext>
-    </p:extLst>
-  </p:cSld>
-  <p:clrMapOvr>
-    <a:masterClrMapping/>
-  </p:clrMapOvr>
-</p:sld>
-</file>
-
-<file path=ppt/slides/slide40.xml><?xml version="1.0" encoding="utf-8"?>
+<file path=ppt/slides/slide42.xml><?xml version="1.0" encoding="utf-8"?>
 <p:sld xmlns:a="http://schemas.openxmlformats.org/drawingml/2006/main" xmlns:r="http://schemas.openxmlformats.org/officeDocument/2006/relationships" xmlns:p="http://schemas.openxmlformats.org/presentationml/2006/main">
   <p:cSld>
     <p:spTree>
@@ -19810,7 +20178,7 @@
 </p:sld>
 </file>
 
-<file path=ppt/slides/slide41.xml><?xml version="1.0" encoding="utf-8"?>
+<file path=ppt/slides/slide43.xml><?xml version="1.0" encoding="utf-8"?>
 <p:sld xmlns:a="http://schemas.openxmlformats.org/drawingml/2006/main" xmlns:r="http://schemas.openxmlformats.org/officeDocument/2006/relationships" xmlns:p="http://schemas.openxmlformats.org/presentationml/2006/main">
   <p:cSld>
     <p:bg>
@@ -20609,7 +20977,7 @@
 </p:sld>
 </file>
 
-<file path=ppt/slides/slide42.xml><?xml version="1.0" encoding="utf-8"?>
+<file path=ppt/slides/slide44.xml><?xml version="1.0" encoding="utf-8"?>
 <p:sld xmlns:a="http://schemas.openxmlformats.org/drawingml/2006/main" xmlns:r="http://schemas.openxmlformats.org/officeDocument/2006/relationships" xmlns:p="http://schemas.openxmlformats.org/presentationml/2006/main">
   <p:cSld>
     <p:spTree>
@@ -20689,7 +21057,7 @@
 </p:sld>
 </file>
 
-<file path=ppt/slides/slide43.xml><?xml version="1.0" encoding="utf-8"?>
+<file path=ppt/slides/slide45.xml><?xml version="1.0" encoding="utf-8"?>
 <p:sld xmlns:a="http://schemas.openxmlformats.org/drawingml/2006/main" xmlns:r="http://schemas.openxmlformats.org/officeDocument/2006/relationships" xmlns:p="http://schemas.openxmlformats.org/presentationml/2006/main">
   <p:cSld>
     <p:bg>
@@ -22852,7 +23220,7 @@
 </p:sld>
 </file>
 
-<file path=ppt/slides/slide44.xml><?xml version="1.0" encoding="utf-8"?>
+<file path=ppt/slides/slide46.xml><?xml version="1.0" encoding="utf-8"?>
 <p:sld xmlns:a="http://schemas.openxmlformats.org/drawingml/2006/main" xmlns:r="http://schemas.openxmlformats.org/officeDocument/2006/relationships" xmlns:p="http://schemas.openxmlformats.org/presentationml/2006/main">
   <p:cSld>
     <p:spTree>
@@ -23118,7 +23486,7 @@
 </p:sld>
 </file>
 
-<file path=ppt/slides/slide45.xml><?xml version="1.0" encoding="utf-8"?>
+<file path=ppt/slides/slide47.xml><?xml version="1.0" encoding="utf-8"?>
 <p:sld xmlns:a="http://schemas.openxmlformats.org/drawingml/2006/main" xmlns:r="http://schemas.openxmlformats.org/officeDocument/2006/relationships" xmlns:p="http://schemas.openxmlformats.org/presentationml/2006/main">
   <p:cSld>
     <p:spTree>
@@ -23402,7 +23770,7 @@
 </p:sld>
 </file>
 
-<file path=ppt/slides/slide46.xml><?xml version="1.0" encoding="utf-8"?>
+<file path=ppt/slides/slide48.xml><?xml version="1.0" encoding="utf-8"?>
 <p:sld xmlns:a="http://schemas.openxmlformats.org/drawingml/2006/main" xmlns:r="http://schemas.openxmlformats.org/officeDocument/2006/relationships" xmlns:p="http://schemas.openxmlformats.org/presentationml/2006/main">
   <p:cSld>
     <p:spTree>
@@ -23740,7 +24108,7 @@
 </p:sld>
 </file>
 
-<file path=ppt/slides/slide47.xml><?xml version="1.0" encoding="utf-8"?>
+<file path=ppt/slides/slide49.xml><?xml version="1.0" encoding="utf-8"?>
 <p:sld xmlns:a="http://schemas.openxmlformats.org/drawingml/2006/main" xmlns:r="http://schemas.openxmlformats.org/officeDocument/2006/relationships" xmlns:p="http://schemas.openxmlformats.org/presentationml/2006/main">
   <p:cSld>
     <p:spTree>
@@ -23947,7 +24315,342 @@
 </p:sld>
 </file>
 
-<file path=ppt/slides/slide48.xml><?xml version="1.0" encoding="utf-8"?>
+<file path=ppt/slides/slide5.xml><?xml version="1.0" encoding="utf-8"?>
+<p:sld xmlns:a="http://schemas.openxmlformats.org/drawingml/2006/main" xmlns:r="http://schemas.openxmlformats.org/officeDocument/2006/relationships" xmlns:p="http://schemas.openxmlformats.org/presentationml/2006/main">
+  <p:cSld>
+    <p:spTree>
+      <p:nvGrpSpPr>
+        <p:cNvPr id="1" name="">
+          <a:extLst>
+            <a:ext uri="{FF2B5EF4-FFF2-40B4-BE49-F238E27FC236}">
+              <a16:creationId xmlns:a16="http://schemas.microsoft.com/office/drawing/2014/main" id="{2C981EE8-AC11-B520-D93E-45CB9889398B}"/>
+            </a:ext>
+          </a:extLst>
+        </p:cNvPr>
+        <p:cNvGrpSpPr/>
+        <p:nvPr/>
+      </p:nvGrpSpPr>
+      <p:grpSpPr>
+        <a:xfrm>
+          <a:off x="0" y="0"/>
+          <a:ext cx="0" cy="0"/>
+          <a:chOff x="0" y="0"/>
+          <a:chExt cx="0" cy="0"/>
+        </a:xfrm>
+      </p:grpSpPr>
+      <p:sp>
+        <p:nvSpPr>
+          <p:cNvPr id="3" name="Content Placeholder 2">
+            <a:extLst>
+              <a:ext uri="{FF2B5EF4-FFF2-40B4-BE49-F238E27FC236}">
+                <a16:creationId xmlns:a16="http://schemas.microsoft.com/office/drawing/2014/main" id="{B3BD98F6-D9B5-96E2-4A09-5BA64ADB3009}"/>
+              </a:ext>
+            </a:extLst>
+          </p:cNvPr>
+          <p:cNvSpPr>
+            <a:spLocks noGrp="1"/>
+          </p:cNvSpPr>
+          <p:nvPr>
+            <p:ph idx="1"/>
+          </p:nvPr>
+        </p:nvSpPr>
+        <p:spPr>
+          <a:xfrm>
+            <a:off x="904831" y="370114"/>
+            <a:ext cx="10659110" cy="5823857"/>
+          </a:xfrm>
+        </p:spPr>
+        <p:txBody>
+          <a:bodyPr>
+            <a:normAutofit lnSpcReduction="10000"/>
+          </a:bodyPr>
+          <a:lstStyle/>
+          <a:p>
+            <a:pPr marL="0" indent="0">
+              <a:buNone/>
+            </a:pPr>
+            <a:r>
+              <a:rPr lang="en-US" sz="3200" b="1" dirty="0"/>
+              <a:t>What is an API?</a:t>
+            </a:r>
+          </a:p>
+          <a:p>
+            <a:pPr marL="0" indent="0">
+              <a:buNone/>
+            </a:pPr>
+            <a:r>
+              <a:rPr lang="en-US" sz="2800" dirty="0"/>
+              <a:t>API (</a:t>
+            </a:r>
+            <a:r>
+              <a:rPr lang="en-US" sz="2800" b="1" dirty="0">
+                <a:solidFill>
+                  <a:srgbClr val="C00000"/>
+                </a:solidFill>
+              </a:rPr>
+              <a:t>Application Programming Interface</a:t>
+            </a:r>
+            <a:r>
+              <a:rPr lang="en-US" sz="2800" dirty="0"/>
+              <a:t>) is a set of </a:t>
+            </a:r>
+            <a:r>
+              <a:rPr lang="en-US" sz="2800" b="1" dirty="0">
+                <a:solidFill>
+                  <a:srgbClr val="C00000"/>
+                </a:solidFill>
+              </a:rPr>
+              <a:t>rules</a:t>
+            </a:r>
+            <a:r>
+              <a:rPr lang="en-US" sz="2800" dirty="0"/>
+              <a:t> and </a:t>
+            </a:r>
+            <a:r>
+              <a:rPr lang="en-US" sz="2800" b="1" dirty="0">
+                <a:solidFill>
+                  <a:srgbClr val="C00000"/>
+                </a:solidFill>
+              </a:rPr>
+              <a:t>protocols</a:t>
+            </a:r>
+            <a:r>
+              <a:rPr lang="en-US" sz="2800" dirty="0"/>
+              <a:t> that allows </a:t>
+            </a:r>
+            <a:r>
+              <a:rPr lang="en-US" sz="2800" b="1" dirty="0">
+                <a:solidFill>
+                  <a:srgbClr val="0070C0"/>
+                </a:solidFill>
+              </a:rPr>
+              <a:t>different</a:t>
+            </a:r>
+            <a:r>
+              <a:rPr lang="en-US" sz="2800" dirty="0"/>
+              <a:t> </a:t>
+            </a:r>
+            <a:r>
+              <a:rPr lang="en-US" sz="2800" b="1" dirty="0">
+                <a:solidFill>
+                  <a:srgbClr val="0070C0"/>
+                </a:solidFill>
+              </a:rPr>
+              <a:t>software</a:t>
+            </a:r>
+            <a:r>
+              <a:rPr lang="en-US" sz="2800" dirty="0"/>
+              <a:t> </a:t>
+            </a:r>
+            <a:r>
+              <a:rPr lang="en-US" sz="2800" b="1" dirty="0">
+                <a:solidFill>
+                  <a:srgbClr val="0070C0"/>
+                </a:solidFill>
+              </a:rPr>
+              <a:t>applications</a:t>
+            </a:r>
+            <a:r>
+              <a:rPr lang="en-US" sz="2800" dirty="0"/>
+              <a:t> to </a:t>
+            </a:r>
+            <a:r>
+              <a:rPr lang="en-US" sz="2800" b="1" dirty="0">
+                <a:solidFill>
+                  <a:srgbClr val="C00000"/>
+                </a:solidFill>
+              </a:rPr>
+              <a:t>communicate</a:t>
+            </a:r>
+            <a:r>
+              <a:rPr lang="en-US" sz="2800" dirty="0"/>
+              <a:t> </a:t>
+            </a:r>
+            <a:r>
+              <a:rPr lang="en-US" sz="2800" b="1" dirty="0"/>
+              <a:t>with each other</a:t>
+            </a:r>
+            <a:r>
+              <a:rPr lang="en-US" sz="2800" dirty="0"/>
+              <a:t>. It defines how </a:t>
+            </a:r>
+            <a:r>
+              <a:rPr lang="en-US" sz="2800" b="1" dirty="0"/>
+              <a:t>requests</a:t>
+            </a:r>
+            <a:r>
+              <a:rPr lang="en-US" sz="2800" dirty="0"/>
+              <a:t> and </a:t>
+            </a:r>
+            <a:r>
+              <a:rPr lang="en-US" sz="2800" b="1" dirty="0"/>
+              <a:t>responses</a:t>
+            </a:r>
+            <a:r>
+              <a:rPr lang="en-US" sz="2800" dirty="0"/>
+              <a:t> should be structured, enabling seamless data exchange between systems.</a:t>
+            </a:r>
+          </a:p>
+          <a:p>
+            <a:pPr marL="0" indent="0">
+              <a:buNone/>
+            </a:pPr>
+            <a:endParaRPr lang="en-US" sz="900" dirty="0"/>
+          </a:p>
+          <a:p>
+            <a:pPr marL="0" indent="0">
+              <a:buNone/>
+            </a:pPr>
+            <a:r>
+              <a:rPr lang="en-US" sz="2600" b="1" dirty="0"/>
+              <a:t>Example: </a:t>
+            </a:r>
+            <a:r>
+              <a:rPr lang="en-US" sz="2600" b="1" dirty="0">
+                <a:solidFill>
+                  <a:srgbClr val="C00000"/>
+                </a:solidFill>
+              </a:rPr>
+              <a:t>Ordering Food </a:t>
+            </a:r>
+            <a:r>
+              <a:rPr lang="en-US" sz="2600" b="1" dirty="0"/>
+              <a:t>Using a Food Delivery App</a:t>
+            </a:r>
+          </a:p>
+          <a:p>
+            <a:r>
+              <a:rPr lang="en-US" sz="2600" dirty="0"/>
+              <a:t>When you use a food delivery app (like </a:t>
+            </a:r>
+            <a:r>
+              <a:rPr lang="en-US" sz="2600" b="1" dirty="0"/>
+              <a:t>Zomato</a:t>
+            </a:r>
+            <a:r>
+              <a:rPr lang="en-US" sz="2600" dirty="0"/>
+              <a:t> or </a:t>
+            </a:r>
+            <a:r>
+              <a:rPr lang="en-US" sz="2600" b="1" dirty="0"/>
+              <a:t>Swiggy</a:t>
+            </a:r>
+            <a:r>
+              <a:rPr lang="en-US" sz="2600" dirty="0"/>
+              <a:t>), you select a </a:t>
+            </a:r>
+            <a:r>
+              <a:rPr lang="en-US" sz="2600" b="1" dirty="0"/>
+              <a:t>restaurant</a:t>
+            </a:r>
+            <a:r>
+              <a:rPr lang="en-US" sz="2600" dirty="0"/>
+              <a:t>, </a:t>
+            </a:r>
+            <a:r>
+              <a:rPr lang="en-US" sz="2600" b="1" dirty="0"/>
+              <a:t>pick</a:t>
+            </a:r>
+            <a:r>
+              <a:rPr lang="en-US" sz="2600" dirty="0"/>
+              <a:t> </a:t>
+            </a:r>
+            <a:r>
+              <a:rPr lang="en-US" sz="2600" b="1" dirty="0"/>
+              <a:t>your</a:t>
+            </a:r>
+            <a:r>
+              <a:rPr lang="en-US" sz="2600" dirty="0"/>
+              <a:t> </a:t>
+            </a:r>
+            <a:r>
+              <a:rPr lang="en-US" sz="2600" b="1" dirty="0"/>
+              <a:t>food</a:t>
+            </a:r>
+            <a:r>
+              <a:rPr lang="en-US" sz="2600" dirty="0"/>
+              <a:t>, and </a:t>
+            </a:r>
+            <a:r>
+              <a:rPr lang="en-US" sz="2600" b="1" dirty="0"/>
+              <a:t>place</a:t>
+            </a:r>
+            <a:r>
+              <a:rPr lang="en-US" sz="2600" dirty="0"/>
+              <a:t> </a:t>
+            </a:r>
+            <a:r>
+              <a:rPr lang="en-US" sz="2600" b="1" dirty="0"/>
+              <a:t>an</a:t>
+            </a:r>
+            <a:r>
+              <a:rPr lang="en-US" sz="2600" dirty="0"/>
+              <a:t> </a:t>
+            </a:r>
+            <a:r>
+              <a:rPr lang="en-US" sz="2600" b="1" dirty="0"/>
+              <a:t>order</a:t>
+            </a:r>
+            <a:r>
+              <a:rPr lang="en-US" sz="2600" dirty="0"/>
+              <a:t>.</a:t>
+            </a:r>
+          </a:p>
+          <a:p>
+            <a:r>
+              <a:rPr lang="en-US" sz="2600" dirty="0"/>
+              <a:t>But the app itself doesn’t cook food — it talks to the restaurant’s system using an API.</a:t>
+            </a:r>
+          </a:p>
+          <a:p>
+            <a:r>
+              <a:rPr lang="en-US" sz="2600" b="1" dirty="0"/>
+              <a:t>How the API works:</a:t>
+            </a:r>
+          </a:p>
+          <a:p>
+            <a:pPr lvl="1"/>
+            <a:r>
+              <a:rPr lang="en-US" sz="2400" dirty="0"/>
+              <a:t>The app sends your order details to the restaurant using an API.</a:t>
+            </a:r>
+          </a:p>
+          <a:p>
+            <a:pPr lvl="1"/>
+            <a:r>
+              <a:rPr lang="en-US" sz="2400" dirty="0"/>
+              <a:t>The restaurant’s system receives it, confirms the order, and sends a response back — all using </a:t>
+            </a:r>
+            <a:r>
+              <a:rPr lang="en-US" sz="2400" b="1" dirty="0">
+                <a:solidFill>
+                  <a:srgbClr val="C00000"/>
+                </a:solidFill>
+              </a:rPr>
+              <a:t>API</a:t>
+            </a:r>
+            <a:r>
+              <a:rPr lang="en-US" sz="2400" dirty="0"/>
+              <a:t> communication.</a:t>
+            </a:r>
+            <a:endParaRPr lang="en-IN" sz="2400" dirty="0"/>
+          </a:p>
+        </p:txBody>
+      </p:sp>
+    </p:spTree>
+    <p:extLst>
+      <p:ext uri="{BB962C8B-B14F-4D97-AF65-F5344CB8AC3E}">
+        <p14:creationId xmlns:p14="http://schemas.microsoft.com/office/powerpoint/2010/main" val="1455896108"/>
+      </p:ext>
+    </p:extLst>
+  </p:cSld>
+  <p:clrMapOvr>
+    <a:masterClrMapping/>
+  </p:clrMapOvr>
+</p:sld>
+</file>
+
+<file path=ppt/slides/slide50.xml><?xml version="1.0" encoding="utf-8"?>
 <p:sld xmlns:a="http://schemas.openxmlformats.org/drawingml/2006/main" xmlns:r="http://schemas.openxmlformats.org/officeDocument/2006/relationships" xmlns:p="http://schemas.openxmlformats.org/presentationml/2006/main">
   <p:cSld>
     <p:spTree>
@@ -24088,7 +24791,7 @@
 </p:sld>
 </file>
 
-<file path=ppt/slides/slide49.xml><?xml version="1.0" encoding="utf-8"?>
+<file path=ppt/slides/slide51.xml><?xml version="1.0" encoding="utf-8"?>
 <p:sld xmlns:a="http://schemas.openxmlformats.org/drawingml/2006/main" xmlns:r="http://schemas.openxmlformats.org/officeDocument/2006/relationships" xmlns:p="http://schemas.openxmlformats.org/presentationml/2006/main">
   <p:cSld>
     <p:spTree>
@@ -24253,326 +24956,7 @@
 </p:sld>
 </file>
 
-<file path=ppt/slides/slide5.xml><?xml version="1.0" encoding="utf-8"?>
-<p:sld xmlns:a="http://schemas.openxmlformats.org/drawingml/2006/main" xmlns:r="http://schemas.openxmlformats.org/officeDocument/2006/relationships" xmlns:p="http://schemas.openxmlformats.org/presentationml/2006/main">
-  <p:cSld>
-    <p:spTree>
-      <p:nvGrpSpPr>
-        <p:cNvPr id="1" name="">
-          <a:extLst>
-            <a:ext uri="{FF2B5EF4-FFF2-40B4-BE49-F238E27FC236}">
-              <a16:creationId xmlns:a16="http://schemas.microsoft.com/office/drawing/2014/main" id="{2C981EE8-AC11-B520-D93E-45CB9889398B}"/>
-            </a:ext>
-          </a:extLst>
-        </p:cNvPr>
-        <p:cNvGrpSpPr/>
-        <p:nvPr/>
-      </p:nvGrpSpPr>
-      <p:grpSpPr>
-        <a:xfrm>
-          <a:off x="0" y="0"/>
-          <a:ext cx="0" cy="0"/>
-          <a:chOff x="0" y="0"/>
-          <a:chExt cx="0" cy="0"/>
-        </a:xfrm>
-      </p:grpSpPr>
-      <p:sp>
-        <p:nvSpPr>
-          <p:cNvPr id="3" name="Content Placeholder 2">
-            <a:extLst>
-              <a:ext uri="{FF2B5EF4-FFF2-40B4-BE49-F238E27FC236}">
-                <a16:creationId xmlns:a16="http://schemas.microsoft.com/office/drawing/2014/main" id="{B3BD98F6-D9B5-96E2-4A09-5BA64ADB3009}"/>
-              </a:ext>
-            </a:extLst>
-          </p:cNvPr>
-          <p:cNvSpPr>
-            <a:spLocks noGrp="1"/>
-          </p:cNvSpPr>
-          <p:nvPr>
-            <p:ph idx="1"/>
-          </p:nvPr>
-        </p:nvSpPr>
-        <p:spPr>
-          <a:xfrm>
-            <a:off x="904831" y="370114"/>
-            <a:ext cx="10659110" cy="5823857"/>
-          </a:xfrm>
-        </p:spPr>
-        <p:txBody>
-          <a:bodyPr>
-            <a:normAutofit lnSpcReduction="10000"/>
-          </a:bodyPr>
-          <a:lstStyle/>
-          <a:p>
-            <a:pPr marL="0" indent="0">
-              <a:buNone/>
-            </a:pPr>
-            <a:r>
-              <a:rPr lang="en-US" sz="3200" b="1" dirty="0"/>
-              <a:t>What is an API?</a:t>
-            </a:r>
-          </a:p>
-          <a:p>
-            <a:pPr marL="0" indent="0">
-              <a:buNone/>
-            </a:pPr>
-            <a:r>
-              <a:rPr lang="en-US" sz="2800" dirty="0"/>
-              <a:t>API (</a:t>
-            </a:r>
-            <a:r>
-              <a:rPr lang="en-US" sz="2800" b="1" dirty="0">
-                <a:solidFill>
-                  <a:srgbClr val="C00000"/>
-                </a:solidFill>
-              </a:rPr>
-              <a:t>Application Programming Interface</a:t>
-            </a:r>
-            <a:r>
-              <a:rPr lang="en-US" sz="2800" dirty="0"/>
-              <a:t>) is a set of </a:t>
-            </a:r>
-            <a:r>
-              <a:rPr lang="en-US" sz="2800" b="1" dirty="0">
-                <a:solidFill>
-                  <a:srgbClr val="C00000"/>
-                </a:solidFill>
-              </a:rPr>
-              <a:t>rules</a:t>
-            </a:r>
-            <a:r>
-              <a:rPr lang="en-US" sz="2800" dirty="0"/>
-              <a:t> and </a:t>
-            </a:r>
-            <a:r>
-              <a:rPr lang="en-US" sz="2800" b="1" dirty="0">
-                <a:solidFill>
-                  <a:srgbClr val="C00000"/>
-                </a:solidFill>
-              </a:rPr>
-              <a:t>protocols</a:t>
-            </a:r>
-            <a:r>
-              <a:rPr lang="en-US" sz="2800" dirty="0"/>
-              <a:t> that allows </a:t>
-            </a:r>
-            <a:r>
-              <a:rPr lang="en-US" sz="2800" b="1" dirty="0">
-                <a:solidFill>
-                  <a:srgbClr val="0070C0"/>
-                </a:solidFill>
-              </a:rPr>
-              <a:t>different</a:t>
-            </a:r>
-            <a:r>
-              <a:rPr lang="en-US" sz="2800" dirty="0"/>
-              <a:t> </a:t>
-            </a:r>
-            <a:r>
-              <a:rPr lang="en-US" sz="2800" b="1" dirty="0">
-                <a:solidFill>
-                  <a:srgbClr val="0070C0"/>
-                </a:solidFill>
-              </a:rPr>
-              <a:t>software</a:t>
-            </a:r>
-            <a:r>
-              <a:rPr lang="en-US" sz="2800" dirty="0"/>
-              <a:t> </a:t>
-            </a:r>
-            <a:r>
-              <a:rPr lang="en-US" sz="2800" b="1" dirty="0">
-                <a:solidFill>
-                  <a:srgbClr val="0070C0"/>
-                </a:solidFill>
-              </a:rPr>
-              <a:t>applications</a:t>
-            </a:r>
-            <a:r>
-              <a:rPr lang="en-US" sz="2800" dirty="0"/>
-              <a:t> to </a:t>
-            </a:r>
-            <a:r>
-              <a:rPr lang="en-US" sz="2800" b="1" dirty="0">
-                <a:solidFill>
-                  <a:srgbClr val="C00000"/>
-                </a:solidFill>
-              </a:rPr>
-              <a:t>communicate</a:t>
-            </a:r>
-            <a:r>
-              <a:rPr lang="en-US" sz="2800" dirty="0"/>
-              <a:t> </a:t>
-            </a:r>
-            <a:r>
-              <a:rPr lang="en-US" sz="2800" b="1" dirty="0"/>
-              <a:t>with each other</a:t>
-            </a:r>
-            <a:r>
-              <a:rPr lang="en-US" sz="2800" dirty="0"/>
-              <a:t>. It defines how </a:t>
-            </a:r>
-            <a:r>
-              <a:rPr lang="en-US" sz="2800" b="1" dirty="0"/>
-              <a:t>requests</a:t>
-            </a:r>
-            <a:r>
-              <a:rPr lang="en-US" sz="2800" dirty="0"/>
-              <a:t> and </a:t>
-            </a:r>
-            <a:r>
-              <a:rPr lang="en-US" sz="2800" b="1" dirty="0"/>
-              <a:t>responses</a:t>
-            </a:r>
-            <a:r>
-              <a:rPr lang="en-US" sz="2800" dirty="0"/>
-              <a:t> should be structured, enabling seamless data exchange between systems.</a:t>
-            </a:r>
-          </a:p>
-          <a:p>
-            <a:pPr marL="0" indent="0">
-              <a:buNone/>
-            </a:pPr>
-            <a:endParaRPr lang="en-US" sz="900" dirty="0"/>
-          </a:p>
-          <a:p>
-            <a:pPr marL="0" indent="0">
-              <a:buNone/>
-            </a:pPr>
-            <a:r>
-              <a:rPr lang="en-US" sz="2600" b="1" dirty="0"/>
-              <a:t>Example: </a:t>
-            </a:r>
-            <a:r>
-              <a:rPr lang="en-US" sz="2600" b="1" dirty="0">
-                <a:solidFill>
-                  <a:srgbClr val="C00000"/>
-                </a:solidFill>
-              </a:rPr>
-              <a:t>Ordering Food </a:t>
-            </a:r>
-            <a:r>
-              <a:rPr lang="en-US" sz="2600" b="1" dirty="0"/>
-              <a:t>Using a Food Delivery App</a:t>
-            </a:r>
-          </a:p>
-          <a:p>
-            <a:r>
-              <a:rPr lang="en-US" sz="2600" dirty="0"/>
-              <a:t>When you use a food delivery app (like Zomato or Swiggy), you select a </a:t>
-            </a:r>
-            <a:r>
-              <a:rPr lang="en-US" sz="2600" b="1" dirty="0"/>
-              <a:t>restaurant</a:t>
-            </a:r>
-            <a:r>
-              <a:rPr lang="en-US" sz="2600" dirty="0"/>
-              <a:t>, </a:t>
-            </a:r>
-            <a:r>
-              <a:rPr lang="en-US" sz="2600" b="1" dirty="0"/>
-              <a:t>pick</a:t>
-            </a:r>
-            <a:r>
-              <a:rPr lang="en-US" sz="2600" dirty="0"/>
-              <a:t> </a:t>
-            </a:r>
-            <a:r>
-              <a:rPr lang="en-US" sz="2600" b="1" dirty="0"/>
-              <a:t>your</a:t>
-            </a:r>
-            <a:r>
-              <a:rPr lang="en-US" sz="2600" dirty="0"/>
-              <a:t> </a:t>
-            </a:r>
-            <a:r>
-              <a:rPr lang="en-US" sz="2600" b="1" dirty="0"/>
-              <a:t>food</a:t>
-            </a:r>
-            <a:r>
-              <a:rPr lang="en-US" sz="2600" dirty="0"/>
-              <a:t>, and </a:t>
-            </a:r>
-            <a:r>
-              <a:rPr lang="en-US" sz="2600" b="1" dirty="0"/>
-              <a:t>place</a:t>
-            </a:r>
-            <a:r>
-              <a:rPr lang="en-US" sz="2600" dirty="0"/>
-              <a:t> </a:t>
-            </a:r>
-            <a:r>
-              <a:rPr lang="en-US" sz="2600" b="1" dirty="0"/>
-              <a:t>an</a:t>
-            </a:r>
-            <a:r>
-              <a:rPr lang="en-US" sz="2600" dirty="0"/>
-              <a:t> </a:t>
-            </a:r>
-            <a:r>
-              <a:rPr lang="en-US" sz="2600" b="1" dirty="0"/>
-              <a:t>order</a:t>
-            </a:r>
-            <a:r>
-              <a:rPr lang="en-US" sz="2600" dirty="0"/>
-              <a:t>.</a:t>
-            </a:r>
-          </a:p>
-          <a:p>
-            <a:r>
-              <a:rPr lang="en-US" sz="2600" dirty="0"/>
-              <a:t>But the app itself doesn’t cook food — it talks to the restaurant’s system using an API.</a:t>
-            </a:r>
-          </a:p>
-          <a:p>
-            <a:r>
-              <a:rPr lang="en-US" sz="2600" b="1" dirty="0"/>
-              <a:t>How the API works:</a:t>
-            </a:r>
-          </a:p>
-          <a:p>
-            <a:pPr lvl="1"/>
-            <a:r>
-              <a:rPr lang="en-US" sz="2400" dirty="0"/>
-              <a:t>The app sends your order details to the restaurant using an API.</a:t>
-            </a:r>
-          </a:p>
-          <a:p>
-            <a:pPr lvl="1"/>
-            <a:r>
-              <a:rPr lang="en-US" sz="2400" dirty="0"/>
-              <a:t>The restaurant’s system receives it, confirms the order, and sends a response back — all using </a:t>
-            </a:r>
-            <a:r>
-              <a:rPr lang="en-US" sz="2400" b="1" dirty="0">
-                <a:solidFill>
-                  <a:srgbClr val="C00000"/>
-                </a:solidFill>
-              </a:rPr>
-              <a:t>API</a:t>
-            </a:r>
-            <a:r>
-              <a:rPr lang="en-US" sz="2400" dirty="0"/>
-              <a:t> communication.</a:t>
-            </a:r>
-            <a:endParaRPr lang="en-IN" sz="2400" dirty="0"/>
-          </a:p>
-        </p:txBody>
-      </p:sp>
-    </p:spTree>
-    <p:extLst>
-      <p:ext uri="{BB962C8B-B14F-4D97-AF65-F5344CB8AC3E}">
-        <p14:creationId xmlns:p14="http://schemas.microsoft.com/office/powerpoint/2010/main" val="1455896108"/>
-      </p:ext>
-    </p:extLst>
-  </p:cSld>
-  <p:clrMapOvr>
-    <a:masterClrMapping/>
-  </p:clrMapOvr>
-</p:sld>
-</file>
-
-<file path=ppt/slides/slide50.xml><?xml version="1.0" encoding="utf-8"?>
+<file path=ppt/slides/slide52.xml><?xml version="1.0" encoding="utf-8"?>
 <p:sld xmlns:a="http://schemas.openxmlformats.org/drawingml/2006/main" xmlns:r="http://schemas.openxmlformats.org/officeDocument/2006/relationships" xmlns:p="http://schemas.openxmlformats.org/presentationml/2006/main">
   <p:cSld>
     <p:spTree>
@@ -25398,7 +25782,7 @@
 </p:sld>
 </file>
 
-<file path=ppt/slides/slide51.xml><?xml version="1.0" encoding="utf-8"?>
+<file path=ppt/slides/slide53.xml><?xml version="1.0" encoding="utf-8"?>
 <p:sld xmlns:a="http://schemas.openxmlformats.org/drawingml/2006/main" xmlns:r="http://schemas.openxmlformats.org/officeDocument/2006/relationships" xmlns:p="http://schemas.openxmlformats.org/presentationml/2006/main">
   <p:cSld>
     <p:spTree>
@@ -25576,7 +25960,7 @@
 </p:sld>
 </file>
 
-<file path=ppt/slides/slide52.xml><?xml version="1.0" encoding="utf-8"?>
+<file path=ppt/slides/slide54.xml><?xml version="1.0" encoding="utf-8"?>
 <p:sld xmlns:a="http://schemas.openxmlformats.org/drawingml/2006/main" xmlns:r="http://schemas.openxmlformats.org/officeDocument/2006/relationships" xmlns:p="http://schemas.openxmlformats.org/presentationml/2006/main">
   <p:cSld>
     <p:spTree>
@@ -25717,7 +26101,7 @@
 </p:sld>
 </file>
 
-<file path=ppt/slides/slide53.xml><?xml version="1.0" encoding="utf-8"?>
+<file path=ppt/slides/slide55.xml><?xml version="1.0" encoding="utf-8"?>
 <p:sld xmlns:a="http://schemas.openxmlformats.org/drawingml/2006/main" xmlns:r="http://schemas.openxmlformats.org/officeDocument/2006/relationships" xmlns:p="http://schemas.openxmlformats.org/presentationml/2006/main">
   <p:cSld>
     <p:spTree>
@@ -26121,7 +26505,7 @@
 </p:sld>
 </file>
 
-<file path=ppt/slides/slide54.xml><?xml version="1.0" encoding="utf-8"?>
+<file path=ppt/slides/slide56.xml><?xml version="1.0" encoding="utf-8"?>
 <p:sld xmlns:a="http://schemas.openxmlformats.org/drawingml/2006/main" xmlns:r="http://schemas.openxmlformats.org/officeDocument/2006/relationships" xmlns:p="http://schemas.openxmlformats.org/presentationml/2006/main">
   <p:cSld>
     <p:spTree>
@@ -26311,7 +26695,7 @@
 </p:sld>
 </file>
 
-<file path=ppt/slides/slide55.xml><?xml version="1.0" encoding="utf-8"?>
+<file path=ppt/slides/slide57.xml><?xml version="1.0" encoding="utf-8"?>
 <p:sld xmlns:a="http://schemas.openxmlformats.org/drawingml/2006/main" xmlns:r="http://schemas.openxmlformats.org/officeDocument/2006/relationships" xmlns:p="http://schemas.openxmlformats.org/presentationml/2006/main">
   <p:cSld>
     <p:spTree>
@@ -26644,7 +27028,7 @@
 </p:sld>
 </file>
 
-<file path=ppt/slides/slide56.xml><?xml version="1.0" encoding="utf-8"?>
+<file path=ppt/slides/slide58.xml><?xml version="1.0" encoding="utf-8"?>
 <p:sld xmlns:a="http://schemas.openxmlformats.org/drawingml/2006/main" xmlns:r="http://schemas.openxmlformats.org/officeDocument/2006/relationships" xmlns:p="http://schemas.openxmlformats.org/presentationml/2006/main">
   <p:cSld>
     <p:spTree>
@@ -26767,8 +27151,8 @@
         </p:blipFill>
         <p:spPr bwMode="auto">
           <a:xfrm>
-            <a:off x="312241" y="569118"/>
-            <a:ext cx="11567517" cy="5436733"/>
+            <a:off x="312241" y="304800"/>
+            <a:ext cx="11567517" cy="6281057"/>
           </a:xfrm>
           <a:prstGeom prst="rect">
             <a:avLst/>
@@ -26850,7 +27234,7 @@
         </p:blipFill>
         <p:spPr bwMode="auto">
           <a:xfrm>
-            <a:off x="0" y="0"/>
+            <a:off x="140494" y="239484"/>
             <a:ext cx="8034337" cy="2710543"/>
           </a:xfrm>
           <a:prstGeom prst="rect">
@@ -27033,100 +27417,121 @@
           <a:chExt cx="0" cy="0"/>
         </a:xfrm>
       </p:grpSpPr>
-      <p:pic>
-        <p:nvPicPr>
-          <p:cNvPr id="2052" name="Picture 4" descr="No alternative text description for this image">
+      <p:grpSp>
+        <p:nvGrpSpPr>
+          <p:cNvPr id="3" name="Group 2">
             <a:extLst>
               <a:ext uri="{FF2B5EF4-FFF2-40B4-BE49-F238E27FC236}">
-                <a16:creationId xmlns:a16="http://schemas.microsoft.com/office/drawing/2014/main" id="{C0A71293-21DA-3E21-BBD2-496C3F7080F1}"/>
+                <a16:creationId xmlns:a16="http://schemas.microsoft.com/office/drawing/2014/main" id="{FB788F9D-D41C-B32F-C36A-8C4D1B60E9CD}"/>
               </a:ext>
             </a:extLst>
           </p:cNvPr>
-          <p:cNvPicPr>
-            <a:picLocks noChangeAspect="1" noChangeArrowheads="1"/>
-          </p:cNvPicPr>
+          <p:cNvGrpSpPr/>
           <p:nvPr/>
-        </p:nvPicPr>
-        <p:blipFill rotWithShape="1">
-          <a:blip r:embed="rId2">
+        </p:nvGrpSpPr>
+        <p:grpSpPr>
+          <a:xfrm>
+            <a:off x="0" y="-18595"/>
+            <a:ext cx="12192001" cy="6856866"/>
+            <a:chOff x="0" y="-18595"/>
+            <a:chExt cx="12192001" cy="6856866"/>
+          </a:xfrm>
+        </p:grpSpPr>
+        <p:pic>
+          <p:nvPicPr>
+            <p:cNvPr id="2052" name="Picture 4" descr="No alternative text description for this image">
+              <a:extLst>
+                <a:ext uri="{FF2B5EF4-FFF2-40B4-BE49-F238E27FC236}">
+                  <a16:creationId xmlns:a16="http://schemas.microsoft.com/office/drawing/2014/main" id="{C0A71293-21DA-3E21-BBD2-496C3F7080F1}"/>
+                </a:ext>
+              </a:extLst>
+            </p:cNvPr>
+            <p:cNvPicPr>
+              <a:picLocks noChangeAspect="1" noChangeArrowheads="1"/>
+            </p:cNvPicPr>
+            <p:nvPr/>
+          </p:nvPicPr>
+          <p:blipFill rotWithShape="1">
+            <a:blip r:embed="rId2">
+              <a:extLst>
+                <a:ext uri="{28A0092B-C50C-407E-A947-70E740481C1C}">
+                  <a14:useLocalDpi xmlns:a14="http://schemas.microsoft.com/office/drawing/2010/main" val="0"/>
+                </a:ext>
+              </a:extLst>
+            </a:blip>
+            <a:srcRect t="51779"/>
+            <a:stretch>
+              <a:fillRect/>
+            </a:stretch>
+          </p:blipFill>
+          <p:spPr bwMode="auto">
+            <a:xfrm>
+              <a:off x="3962401" y="3157052"/>
+              <a:ext cx="8229600" cy="3681219"/>
+            </a:xfrm>
+            <a:prstGeom prst="rect">
+              <a:avLst/>
+            </a:prstGeom>
+            <a:noFill/>
             <a:extLst>
-              <a:ext uri="{28A0092B-C50C-407E-A947-70E740481C1C}">
-                <a14:useLocalDpi xmlns:a14="http://schemas.microsoft.com/office/drawing/2010/main" val="0"/>
+              <a:ext uri="{909E8E84-426E-40DD-AFC4-6F175D3DCCD1}">
+                <a14:hiddenFill xmlns:a14="http://schemas.microsoft.com/office/drawing/2010/main">
+                  <a:solidFill>
+                    <a:srgbClr val="FFFFFF"/>
+                  </a:solidFill>
+                </a14:hiddenFill>
               </a:ext>
             </a:extLst>
-          </a:blip>
-          <a:srcRect t="51779"/>
-          <a:stretch>
-            <a:fillRect/>
-          </a:stretch>
-        </p:blipFill>
-        <p:spPr bwMode="auto">
-          <a:xfrm>
-            <a:off x="4799013" y="3531281"/>
-            <a:ext cx="7392987" cy="3306990"/>
-          </a:xfrm>
-          <a:prstGeom prst="rect">
-            <a:avLst/>
-          </a:prstGeom>
-          <a:noFill/>
-          <a:extLst>
-            <a:ext uri="{909E8E84-426E-40DD-AFC4-6F175D3DCCD1}">
-              <a14:hiddenFill xmlns:a14="http://schemas.microsoft.com/office/drawing/2010/main">
-                <a:solidFill>
-                  <a:srgbClr val="FFFFFF"/>
-                </a:solidFill>
-              </a14:hiddenFill>
-            </a:ext>
-          </a:extLst>
-        </p:spPr>
-      </p:pic>
-      <p:pic>
-        <p:nvPicPr>
-          <p:cNvPr id="2" name="Picture 4" descr="No alternative text description for this image">
+          </p:spPr>
+        </p:pic>
+        <p:pic>
+          <p:nvPicPr>
+            <p:cNvPr id="2" name="Picture 4" descr="No alternative text description for this image">
+              <a:extLst>
+                <a:ext uri="{FF2B5EF4-FFF2-40B4-BE49-F238E27FC236}">
+                  <a16:creationId xmlns:a16="http://schemas.microsoft.com/office/drawing/2014/main" id="{45208749-F94C-459F-742C-71D3A7A4F3DC}"/>
+                </a:ext>
+              </a:extLst>
+            </p:cNvPr>
+            <p:cNvPicPr>
+              <a:picLocks noChangeAspect="1" noChangeArrowheads="1"/>
+            </p:cNvPicPr>
+            <p:nvPr/>
+          </p:nvPicPr>
+          <p:blipFill rotWithShape="1">
+            <a:blip r:embed="rId2">
+              <a:extLst>
+                <a:ext uri="{28A0092B-C50C-407E-A947-70E740481C1C}">
+                  <a14:useLocalDpi xmlns:a14="http://schemas.microsoft.com/office/drawing/2010/main" val="0"/>
+                </a:ext>
+              </a:extLst>
+            </a:blip>
+            <a:srcRect b="49682"/>
+            <a:stretch>
+              <a:fillRect/>
+            </a:stretch>
+          </p:blipFill>
+          <p:spPr bwMode="auto">
+            <a:xfrm>
+              <a:off x="0" y="-18595"/>
+              <a:ext cx="7392987" cy="3450771"/>
+            </a:xfrm>
+            <a:prstGeom prst="rect">
+              <a:avLst/>
+            </a:prstGeom>
+            <a:noFill/>
             <a:extLst>
-              <a:ext uri="{FF2B5EF4-FFF2-40B4-BE49-F238E27FC236}">
-                <a16:creationId xmlns:a16="http://schemas.microsoft.com/office/drawing/2014/main" id="{45208749-F94C-459F-742C-71D3A7A4F3DC}"/>
+              <a:ext uri="{909E8E84-426E-40DD-AFC4-6F175D3DCCD1}">
+                <a14:hiddenFill xmlns:a14="http://schemas.microsoft.com/office/drawing/2010/main">
+                  <a:solidFill>
+                    <a:srgbClr val="FFFFFF"/>
+                  </a:solidFill>
+                </a14:hiddenFill>
               </a:ext>
             </a:extLst>
-          </p:cNvPr>
-          <p:cNvPicPr>
-            <a:picLocks noChangeAspect="1" noChangeArrowheads="1"/>
-          </p:cNvPicPr>
-          <p:nvPr/>
-        </p:nvPicPr>
-        <p:blipFill rotWithShape="1">
-          <a:blip r:embed="rId2">
-            <a:extLst>
-              <a:ext uri="{28A0092B-C50C-407E-A947-70E740481C1C}">
-                <a14:useLocalDpi xmlns:a14="http://schemas.microsoft.com/office/drawing/2010/main" val="0"/>
-              </a:ext>
-            </a:extLst>
-          </a:blip>
-          <a:srcRect b="49682"/>
-          <a:stretch>
-            <a:fillRect/>
-          </a:stretch>
-        </p:blipFill>
-        <p:spPr bwMode="auto">
-          <a:xfrm>
-            <a:off x="0" y="-18595"/>
-            <a:ext cx="7392987" cy="3450771"/>
-          </a:xfrm>
-          <a:prstGeom prst="rect">
-            <a:avLst/>
-          </a:prstGeom>
-          <a:noFill/>
-          <a:extLst>
-            <a:ext uri="{909E8E84-426E-40DD-AFC4-6F175D3DCCD1}">
-              <a14:hiddenFill xmlns:a14="http://schemas.microsoft.com/office/drawing/2010/main">
-                <a:solidFill>
-                  <a:srgbClr val="FFFFFF"/>
-                </a:solidFill>
-              </a14:hiddenFill>
-            </a:ext>
-          </a:extLst>
-        </p:spPr>
-      </p:pic>
+          </p:spPr>
+        </p:pic>
+      </p:grpSp>
     </p:spTree>
     <p:extLst>
       <p:ext uri="{BB962C8B-B14F-4D97-AF65-F5344CB8AC3E}">
